--- a/L11-创建型模式-2019.pptx
+++ b/L11-创建型模式-2019.pptx
@@ -269,14 +269,14 @@
           <a:effectLst/>
           <a:extLst>
             <a:ext uri="{909E8E84-426E-40dd-AFC4-6F175D3DCCD1}">
-              <a14:hiddenFill xmlns="" xmlns:a14="http://schemas.microsoft.com/office/drawing/2010/main">
+              <a14:hiddenFill xmlns:a14="http://schemas.microsoft.com/office/drawing/2010/main" xmlns="">
                 <a:solidFill>
                   <a:schemeClr val="accent1"/>
                 </a:solidFill>
               </a14:hiddenFill>
             </a:ext>
             <a:ext uri="{91240B29-F687-4f45-9708-019B960494DF}">
-              <a14:hiddenLine xmlns="" xmlns:a14="http://schemas.microsoft.com/office/drawing/2010/main" w="9525">
+              <a14:hiddenLine xmlns:a14="http://schemas.microsoft.com/office/drawing/2010/main" xmlns="" w="9525">
                 <a:solidFill>
                   <a:schemeClr val="tx1"/>
                 </a:solidFill>
@@ -286,7 +286,7 @@
               </a14:hiddenLine>
             </a:ext>
             <a:ext uri="{AF507438-7753-43e0-B8FC-AC1667EBCBE1}">
-              <a14:hiddenEffects xmlns="" xmlns:a14="http://schemas.microsoft.com/office/drawing/2010/main">
+              <a14:hiddenEffects xmlns:a14="http://schemas.microsoft.com/office/drawing/2010/main" xmlns="">
                 <a:effectLst>
                   <a:outerShdw dist="35921" dir="2700000" algn="ctr" rotWithShape="0">
                     <a:schemeClr val="bg2"/>
@@ -349,14 +349,14 @@
           <a:effectLst/>
           <a:extLst>
             <a:ext uri="{909E8E84-426E-40dd-AFC4-6F175D3DCCD1}">
-              <a14:hiddenFill xmlns="" xmlns:a14="http://schemas.microsoft.com/office/drawing/2010/main">
+              <a14:hiddenFill xmlns:a14="http://schemas.microsoft.com/office/drawing/2010/main" xmlns="">
                 <a:solidFill>
                   <a:schemeClr val="accent1"/>
                 </a:solidFill>
               </a14:hiddenFill>
             </a:ext>
             <a:ext uri="{91240B29-F687-4f45-9708-019B960494DF}">
-              <a14:hiddenLine xmlns="" xmlns:a14="http://schemas.microsoft.com/office/drawing/2010/main" w="9525">
+              <a14:hiddenLine xmlns:a14="http://schemas.microsoft.com/office/drawing/2010/main" xmlns="" w="9525">
                 <a:solidFill>
                   <a:schemeClr val="tx1"/>
                 </a:solidFill>
@@ -366,7 +366,7 @@
               </a14:hiddenLine>
             </a:ext>
             <a:ext uri="{AF507438-7753-43e0-B8FC-AC1667EBCBE1}">
-              <a14:hiddenEffects xmlns="" xmlns:a14="http://schemas.microsoft.com/office/drawing/2010/main">
+              <a14:hiddenEffects xmlns:a14="http://schemas.microsoft.com/office/drawing/2010/main" xmlns="">
                 <a:effectLst>
                   <a:outerShdw dist="35921" dir="2700000" algn="ctr" rotWithShape="0">
                     <a:schemeClr val="bg2"/>
@@ -434,14 +434,14 @@
           <a:effectLst/>
           <a:extLst>
             <a:ext uri="{909E8E84-426E-40dd-AFC4-6F175D3DCCD1}">
-              <a14:hiddenFill xmlns="" xmlns:a14="http://schemas.microsoft.com/office/drawing/2010/main">
+              <a14:hiddenFill xmlns:a14="http://schemas.microsoft.com/office/drawing/2010/main" xmlns="">
                 <a:solidFill>
                   <a:srgbClr val="FFFFFF"/>
                 </a:solidFill>
               </a14:hiddenFill>
             </a:ext>
             <a:ext uri="{AF507438-7753-43e0-B8FC-AC1667EBCBE1}">
-              <a14:hiddenEffects xmlns="" xmlns:a14="http://schemas.microsoft.com/office/drawing/2010/main">
+              <a14:hiddenEffects xmlns:a14="http://schemas.microsoft.com/office/drawing/2010/main" xmlns="">
                 <a:effectLst>
                   <a:outerShdw dist="35921" dir="2700000" algn="ctr" rotWithShape="0">
                     <a:srgbClr val="808080"/>
@@ -450,7 +450,7 @@
               </a14:hiddenEffects>
             </a:ext>
             <a:ext uri="{53640926-AAD7-44d8-BBD7-CCE9431645EC}">
-              <a14:shadowObscured xmlns="" xmlns:a14="http://schemas.microsoft.com/office/drawing/2010/main" val="1"/>
+              <a14:shadowObscured xmlns:a14="http://schemas.microsoft.com/office/drawing/2010/main" xmlns="" val="1"/>
             </a:ext>
           </a:extLst>
         </p:spPr>
@@ -480,14 +480,14 @@
           <a:effectLst/>
           <a:extLst>
             <a:ext uri="{909E8E84-426E-40dd-AFC4-6F175D3DCCD1}">
-              <a14:hiddenFill xmlns="" xmlns:a14="http://schemas.microsoft.com/office/drawing/2010/main">
+              <a14:hiddenFill xmlns:a14="http://schemas.microsoft.com/office/drawing/2010/main" xmlns="">
                 <a:solidFill>
                   <a:schemeClr val="accent1"/>
                 </a:solidFill>
               </a14:hiddenFill>
             </a:ext>
             <a:ext uri="{91240B29-F687-4f45-9708-019B960494DF}">
-              <a14:hiddenLine xmlns="" xmlns:a14="http://schemas.microsoft.com/office/drawing/2010/main" w="9525">
+              <a14:hiddenLine xmlns:a14="http://schemas.microsoft.com/office/drawing/2010/main" xmlns="" w="9525">
                 <a:solidFill>
                   <a:schemeClr val="tx1"/>
                 </a:solidFill>
@@ -497,7 +497,7 @@
               </a14:hiddenLine>
             </a:ext>
             <a:ext uri="{AF507438-7753-43e0-B8FC-AC1667EBCBE1}">
-              <a14:hiddenEffects xmlns="" xmlns:a14="http://schemas.microsoft.com/office/drawing/2010/main">
+              <a14:hiddenEffects xmlns:a14="http://schemas.microsoft.com/office/drawing/2010/main" xmlns="">
                 <a:effectLst>
                   <a:outerShdw dist="35921" dir="2700000" algn="ctr" rotWithShape="0">
                     <a:schemeClr val="bg2"/>
@@ -576,14 +576,14 @@
           <a:effectLst/>
           <a:extLst>
             <a:ext uri="{909E8E84-426E-40dd-AFC4-6F175D3DCCD1}">
-              <a14:hiddenFill xmlns="" xmlns:a14="http://schemas.microsoft.com/office/drawing/2010/main">
+              <a14:hiddenFill xmlns:a14="http://schemas.microsoft.com/office/drawing/2010/main" xmlns="">
                 <a:solidFill>
                   <a:schemeClr val="accent1"/>
                 </a:solidFill>
               </a14:hiddenFill>
             </a:ext>
             <a:ext uri="{91240B29-F687-4f45-9708-019B960494DF}">
-              <a14:hiddenLine xmlns="" xmlns:a14="http://schemas.microsoft.com/office/drawing/2010/main" w="9525">
+              <a14:hiddenLine xmlns:a14="http://schemas.microsoft.com/office/drawing/2010/main" xmlns="" w="9525">
                 <a:solidFill>
                   <a:schemeClr val="tx1"/>
                 </a:solidFill>
@@ -593,7 +593,7 @@
               </a14:hiddenLine>
             </a:ext>
             <a:ext uri="{AF507438-7753-43e0-B8FC-AC1667EBCBE1}">
-              <a14:hiddenEffects xmlns="" xmlns:a14="http://schemas.microsoft.com/office/drawing/2010/main">
+              <a14:hiddenEffects xmlns:a14="http://schemas.microsoft.com/office/drawing/2010/main" xmlns="">
                 <a:effectLst>
                   <a:outerShdw dist="35921" dir="2700000" algn="ctr" rotWithShape="0">
                     <a:schemeClr val="bg2"/>
@@ -656,14 +656,14 @@
           <a:effectLst/>
           <a:extLst>
             <a:ext uri="{909E8E84-426E-40dd-AFC4-6F175D3DCCD1}">
-              <a14:hiddenFill xmlns="" xmlns:a14="http://schemas.microsoft.com/office/drawing/2010/main">
+              <a14:hiddenFill xmlns:a14="http://schemas.microsoft.com/office/drawing/2010/main" xmlns="">
                 <a:solidFill>
                   <a:schemeClr val="accent1"/>
                 </a:solidFill>
               </a14:hiddenFill>
             </a:ext>
             <a:ext uri="{91240B29-F687-4f45-9708-019B960494DF}">
-              <a14:hiddenLine xmlns="" xmlns:a14="http://schemas.microsoft.com/office/drawing/2010/main" w="9525">
+              <a14:hiddenLine xmlns:a14="http://schemas.microsoft.com/office/drawing/2010/main" xmlns="" w="9525">
                 <a:solidFill>
                   <a:schemeClr val="tx1"/>
                 </a:solidFill>
@@ -673,7 +673,7 @@
               </a14:hiddenLine>
             </a:ext>
             <a:ext uri="{AF507438-7753-43e0-B8FC-AC1667EBCBE1}">
-              <a14:hiddenEffects xmlns="" xmlns:a14="http://schemas.microsoft.com/office/drawing/2010/main">
+              <a14:hiddenEffects xmlns:a14="http://schemas.microsoft.com/office/drawing/2010/main" xmlns="">
                 <a:effectLst>
                   <a:outerShdw dist="35921" dir="2700000" algn="ctr" rotWithShape="0">
                     <a:schemeClr val="bg2"/>
@@ -6947,14 +6947,14 @@
           </a:ln>
           <a:extLst>
             <a:ext uri="{909E8E84-426E-40dd-AFC4-6F175D3DCCD1}">
-              <a14:hiddenFill xmlns="" xmlns:a14="http://schemas.microsoft.com/office/drawing/2010/main">
+              <a14:hiddenFill xmlns:a14="http://schemas.microsoft.com/office/drawing/2010/main" xmlns="">
                 <a:solidFill>
                   <a:srgbClr val="FFFFFF"/>
                 </a:solidFill>
               </a14:hiddenFill>
             </a:ext>
             <a:ext uri="{91240B29-F687-4f45-9708-019B960494DF}">
-              <a14:hiddenLine xmlns="" xmlns:a14="http://schemas.microsoft.com/office/drawing/2010/main" w="9525">
+              <a14:hiddenLine xmlns:a14="http://schemas.microsoft.com/office/drawing/2010/main" xmlns="" w="9525">
                 <a:solidFill>
                   <a:srgbClr val="000000"/>
                 </a:solidFill>
@@ -7005,14 +7005,14 @@
           </a:ln>
           <a:extLst>
             <a:ext uri="{909E8E84-426E-40dd-AFC4-6F175D3DCCD1}">
-              <a14:hiddenFill xmlns="" xmlns:a14="http://schemas.microsoft.com/office/drawing/2010/main">
+              <a14:hiddenFill xmlns:a14="http://schemas.microsoft.com/office/drawing/2010/main" xmlns="">
                 <a:solidFill>
                   <a:srgbClr val="FFFFFF"/>
                 </a:solidFill>
               </a14:hiddenFill>
             </a:ext>
             <a:ext uri="{91240B29-F687-4f45-9708-019B960494DF}">
-              <a14:hiddenLine xmlns="" xmlns:a14="http://schemas.microsoft.com/office/drawing/2010/main" w="9525">
+              <a14:hiddenLine xmlns:a14="http://schemas.microsoft.com/office/drawing/2010/main" xmlns="" w="9525">
                 <a:solidFill>
                   <a:srgbClr val="000000"/>
                 </a:solidFill>
@@ -8230,7 +8230,7 @@
           <p:cNvPr id="2" name="标题 1">
             <a:extLst>
               <a:ext uri="{FF2B5EF4-FFF2-40B4-BE49-F238E27FC236}">
-                <a16:creationId xmlns:a16="http://schemas.microsoft.com/office/drawing/2014/main" xmlns="" id="{53620F38-AE9C-46D8-A726-CBEB83F9E0E2}"/>
+                <a16:creationId xmlns="" xmlns:a16="http://schemas.microsoft.com/office/drawing/2014/main" id="{53620F38-AE9C-46D8-A726-CBEB83F9E0E2}"/>
               </a:ext>
             </a:extLst>
           </p:cNvPr>
@@ -8258,7 +8258,7 @@
           <p:cNvPr id="3" name="内容占位符 2">
             <a:extLst>
               <a:ext uri="{FF2B5EF4-FFF2-40B4-BE49-F238E27FC236}">
-                <a16:creationId xmlns:a16="http://schemas.microsoft.com/office/drawing/2014/main" xmlns="" id="{107FD70E-EDCC-4FD7-A488-F66DCE4532BE}"/>
+                <a16:creationId xmlns="" xmlns:a16="http://schemas.microsoft.com/office/drawing/2014/main" id="{107FD70E-EDCC-4FD7-A488-F66DCE4532BE}"/>
               </a:ext>
             </a:extLst>
           </p:cNvPr>
@@ -8476,7 +8476,7 @@
           <p:cNvPr id="4" name="灯片编号占位符 3">
             <a:extLst>
               <a:ext uri="{FF2B5EF4-FFF2-40B4-BE49-F238E27FC236}">
-                <a16:creationId xmlns:a16="http://schemas.microsoft.com/office/drawing/2014/main" xmlns="" id="{55C4F769-17BB-4C33-9F43-A09CADA5C954}"/>
+                <a16:creationId xmlns="" xmlns:a16="http://schemas.microsoft.com/office/drawing/2014/main" id="{55C4F769-17BB-4C33-9F43-A09CADA5C954}"/>
               </a:ext>
             </a:extLst>
           </p:cNvPr>
@@ -8548,7 +8548,7 @@
           <p:cNvPr id="2" name="标题 1">
             <a:extLst>
               <a:ext uri="{FF2B5EF4-FFF2-40B4-BE49-F238E27FC236}">
-                <a16:creationId xmlns:a16="http://schemas.microsoft.com/office/drawing/2014/main" xmlns="" id="{53620F38-AE9C-46D8-A726-CBEB83F9E0E2}"/>
+                <a16:creationId xmlns="" xmlns:a16="http://schemas.microsoft.com/office/drawing/2014/main" id="{53620F38-AE9C-46D8-A726-CBEB83F9E0E2}"/>
               </a:ext>
             </a:extLst>
           </p:cNvPr>
@@ -8576,7 +8576,7 @@
           <p:cNvPr id="3" name="内容占位符 2">
             <a:extLst>
               <a:ext uri="{FF2B5EF4-FFF2-40B4-BE49-F238E27FC236}">
-                <a16:creationId xmlns:a16="http://schemas.microsoft.com/office/drawing/2014/main" xmlns="" id="{107FD70E-EDCC-4FD7-A488-F66DCE4532BE}"/>
+                <a16:creationId xmlns="" xmlns:a16="http://schemas.microsoft.com/office/drawing/2014/main" id="{107FD70E-EDCC-4FD7-A488-F66DCE4532BE}"/>
               </a:ext>
             </a:extLst>
           </p:cNvPr>
@@ -8616,7 +8616,7 @@
           <p:cNvPr id="4" name="灯片编号占位符 3">
             <a:extLst>
               <a:ext uri="{FF2B5EF4-FFF2-40B4-BE49-F238E27FC236}">
-                <a16:creationId xmlns:a16="http://schemas.microsoft.com/office/drawing/2014/main" xmlns="" id="{55C4F769-17BB-4C33-9F43-A09CADA5C954}"/>
+                <a16:creationId xmlns="" xmlns:a16="http://schemas.microsoft.com/office/drawing/2014/main" id="{55C4F769-17BB-4C33-9F43-A09CADA5C954}"/>
               </a:ext>
             </a:extLst>
           </p:cNvPr>
@@ -8651,7 +8651,7 @@
           <p:cNvPr id="5" name="TextBox 3">
             <a:extLst>
               <a:ext uri="{FF2B5EF4-FFF2-40B4-BE49-F238E27FC236}">
-                <a16:creationId xmlns:a16="http://schemas.microsoft.com/office/drawing/2014/main" xmlns="" id="{70F0DD70-FA23-934C-8C49-985738D5AF84}"/>
+                <a16:creationId xmlns="" xmlns:a16="http://schemas.microsoft.com/office/drawing/2014/main" id="{70F0DD70-FA23-934C-8C49-985738D5AF84}"/>
               </a:ext>
             </a:extLst>
           </p:cNvPr>
@@ -9300,7 +9300,7 @@
           <p:cNvPr id="2" name="标题 1">
             <a:extLst>
               <a:ext uri="{FF2B5EF4-FFF2-40B4-BE49-F238E27FC236}">
-                <a16:creationId xmlns:a16="http://schemas.microsoft.com/office/drawing/2014/main" xmlns="" id="{53620F38-AE9C-46D8-A726-CBEB83F9E0E2}"/>
+                <a16:creationId xmlns="" xmlns:a16="http://schemas.microsoft.com/office/drawing/2014/main" id="{53620F38-AE9C-46D8-A726-CBEB83F9E0E2}"/>
               </a:ext>
             </a:extLst>
           </p:cNvPr>
@@ -9328,7 +9328,7 @@
           <p:cNvPr id="3" name="内容占位符 2">
             <a:extLst>
               <a:ext uri="{FF2B5EF4-FFF2-40B4-BE49-F238E27FC236}">
-                <a16:creationId xmlns:a16="http://schemas.microsoft.com/office/drawing/2014/main" xmlns="" id="{107FD70E-EDCC-4FD7-A488-F66DCE4532BE}"/>
+                <a16:creationId xmlns="" xmlns:a16="http://schemas.microsoft.com/office/drawing/2014/main" id="{107FD70E-EDCC-4FD7-A488-F66DCE4532BE}"/>
               </a:ext>
             </a:extLst>
           </p:cNvPr>
@@ -9401,7 +9401,7 @@
           <p:cNvPr id="4" name="灯片编号占位符 3">
             <a:extLst>
               <a:ext uri="{FF2B5EF4-FFF2-40B4-BE49-F238E27FC236}">
-                <a16:creationId xmlns:a16="http://schemas.microsoft.com/office/drawing/2014/main" xmlns="" id="{55C4F769-17BB-4C33-9F43-A09CADA5C954}"/>
+                <a16:creationId xmlns="" xmlns:a16="http://schemas.microsoft.com/office/drawing/2014/main" id="{55C4F769-17BB-4C33-9F43-A09CADA5C954}"/>
               </a:ext>
             </a:extLst>
           </p:cNvPr>
@@ -9436,7 +9436,7 @@
           <p:cNvPr id="5" name="TextBox 3">
             <a:extLst>
               <a:ext uri="{FF2B5EF4-FFF2-40B4-BE49-F238E27FC236}">
-                <a16:creationId xmlns:a16="http://schemas.microsoft.com/office/drawing/2014/main" xmlns="" id="{68CBDB62-AA48-1F45-AF73-661F02B97775}"/>
+                <a16:creationId xmlns="" xmlns:a16="http://schemas.microsoft.com/office/drawing/2014/main" id="{68CBDB62-AA48-1F45-AF73-661F02B97775}"/>
               </a:ext>
             </a:extLst>
           </p:cNvPr>
@@ -9802,7 +9802,7 @@
           <p:cNvPr id="2" name="标题 1">
             <a:extLst>
               <a:ext uri="{FF2B5EF4-FFF2-40B4-BE49-F238E27FC236}">
-                <a16:creationId xmlns:a16="http://schemas.microsoft.com/office/drawing/2014/main" xmlns="" id="{53620F38-AE9C-46D8-A726-CBEB83F9E0E2}"/>
+                <a16:creationId xmlns="" xmlns:a16="http://schemas.microsoft.com/office/drawing/2014/main" id="{53620F38-AE9C-46D8-A726-CBEB83F9E0E2}"/>
               </a:ext>
             </a:extLst>
           </p:cNvPr>
@@ -9843,7 +9843,7 @@
           <p:cNvPr id="3" name="内容占位符 2">
             <a:extLst>
               <a:ext uri="{FF2B5EF4-FFF2-40B4-BE49-F238E27FC236}">
-                <a16:creationId xmlns:a16="http://schemas.microsoft.com/office/drawing/2014/main" xmlns="" id="{107FD70E-EDCC-4FD7-A488-F66DCE4532BE}"/>
+                <a16:creationId xmlns="" xmlns:a16="http://schemas.microsoft.com/office/drawing/2014/main" id="{107FD70E-EDCC-4FD7-A488-F66DCE4532BE}"/>
               </a:ext>
             </a:extLst>
           </p:cNvPr>
@@ -9968,7 +9968,7 @@
           <p:cNvPr id="4" name="灯片编号占位符 3">
             <a:extLst>
               <a:ext uri="{FF2B5EF4-FFF2-40B4-BE49-F238E27FC236}">
-                <a16:creationId xmlns:a16="http://schemas.microsoft.com/office/drawing/2014/main" xmlns="" id="{55C4F769-17BB-4C33-9F43-A09CADA5C954}"/>
+                <a16:creationId xmlns="" xmlns:a16="http://schemas.microsoft.com/office/drawing/2014/main" id="{55C4F769-17BB-4C33-9F43-A09CADA5C954}"/>
               </a:ext>
             </a:extLst>
           </p:cNvPr>
@@ -10003,7 +10003,7 @@
           <p:cNvPr id="5" name="TextBox 3">
             <a:extLst>
               <a:ext uri="{FF2B5EF4-FFF2-40B4-BE49-F238E27FC236}">
-                <a16:creationId xmlns:a16="http://schemas.microsoft.com/office/drawing/2014/main" xmlns="" id="{F6E9E4EC-9A5F-8248-80AE-3A5C1569BBBA}"/>
+                <a16:creationId xmlns="" xmlns:a16="http://schemas.microsoft.com/office/drawing/2014/main" id="{F6E9E4EC-9A5F-8248-80AE-3A5C1569BBBA}"/>
               </a:ext>
             </a:extLst>
           </p:cNvPr>
@@ -10294,7 +10294,7 @@
           <p:cNvPr id="2" name="标题 1">
             <a:extLst>
               <a:ext uri="{FF2B5EF4-FFF2-40B4-BE49-F238E27FC236}">
-                <a16:creationId xmlns:a16="http://schemas.microsoft.com/office/drawing/2014/main" xmlns="" id="{53620F38-AE9C-46D8-A726-CBEB83F9E0E2}"/>
+                <a16:creationId xmlns="" xmlns:a16="http://schemas.microsoft.com/office/drawing/2014/main" id="{53620F38-AE9C-46D8-A726-CBEB83F9E0E2}"/>
               </a:ext>
             </a:extLst>
           </p:cNvPr>
@@ -10322,7 +10322,7 @@
           <p:cNvPr id="3" name="内容占位符 2">
             <a:extLst>
               <a:ext uri="{FF2B5EF4-FFF2-40B4-BE49-F238E27FC236}">
-                <a16:creationId xmlns:a16="http://schemas.microsoft.com/office/drawing/2014/main" xmlns="" id="{107FD70E-EDCC-4FD7-A488-F66DCE4532BE}"/>
+                <a16:creationId xmlns="" xmlns:a16="http://schemas.microsoft.com/office/drawing/2014/main" id="{107FD70E-EDCC-4FD7-A488-F66DCE4532BE}"/>
               </a:ext>
             </a:extLst>
           </p:cNvPr>
@@ -10449,7 +10449,7 @@
           <p:cNvPr id="4" name="灯片编号占位符 3">
             <a:extLst>
               <a:ext uri="{FF2B5EF4-FFF2-40B4-BE49-F238E27FC236}">
-                <a16:creationId xmlns:a16="http://schemas.microsoft.com/office/drawing/2014/main" xmlns="" id="{55C4F769-17BB-4C33-9F43-A09CADA5C954}"/>
+                <a16:creationId xmlns="" xmlns:a16="http://schemas.microsoft.com/office/drawing/2014/main" id="{55C4F769-17BB-4C33-9F43-A09CADA5C954}"/>
               </a:ext>
             </a:extLst>
           </p:cNvPr>
@@ -10484,7 +10484,7 @@
           <p:cNvPr id="5" name="Multiply 4">
             <a:extLst>
               <a:ext uri="{FF2B5EF4-FFF2-40B4-BE49-F238E27FC236}">
-                <a16:creationId xmlns:a16="http://schemas.microsoft.com/office/drawing/2014/main" xmlns="" id="{A2497CAB-AFEA-5C4D-8635-CEB4D2A84D39}"/>
+                <a16:creationId xmlns="" xmlns:a16="http://schemas.microsoft.com/office/drawing/2014/main" id="{A2497CAB-AFEA-5C4D-8635-CEB4D2A84D39}"/>
               </a:ext>
             </a:extLst>
           </p:cNvPr>
@@ -10540,7 +10540,7 @@
           <p:cNvPr id="6" name="TextBox 5">
             <a:extLst>
               <a:ext uri="{FF2B5EF4-FFF2-40B4-BE49-F238E27FC236}">
-                <a16:creationId xmlns:a16="http://schemas.microsoft.com/office/drawing/2014/main" xmlns="" id="{4B1A3EBB-6291-B547-B406-3363B95ABA52}"/>
+                <a16:creationId xmlns="" xmlns:a16="http://schemas.microsoft.com/office/drawing/2014/main" id="{4B1A3EBB-6291-B547-B406-3363B95ABA52}"/>
               </a:ext>
             </a:extLst>
           </p:cNvPr>
@@ -10744,7 +10744,7 @@
           <p:cNvPr id="2" name="标题 1">
             <a:extLst>
               <a:ext uri="{FF2B5EF4-FFF2-40B4-BE49-F238E27FC236}">
-                <a16:creationId xmlns:a16="http://schemas.microsoft.com/office/drawing/2014/main" xmlns="" id="{53620F38-AE9C-46D8-A726-CBEB83F9E0E2}"/>
+                <a16:creationId xmlns="" xmlns:a16="http://schemas.microsoft.com/office/drawing/2014/main" id="{53620F38-AE9C-46D8-A726-CBEB83F9E0E2}"/>
               </a:ext>
             </a:extLst>
           </p:cNvPr>
@@ -10772,7 +10772,7 @@
           <p:cNvPr id="3" name="内容占位符 2">
             <a:extLst>
               <a:ext uri="{FF2B5EF4-FFF2-40B4-BE49-F238E27FC236}">
-                <a16:creationId xmlns:a16="http://schemas.microsoft.com/office/drawing/2014/main" xmlns="" id="{107FD70E-EDCC-4FD7-A488-F66DCE4532BE}"/>
+                <a16:creationId xmlns="" xmlns:a16="http://schemas.microsoft.com/office/drawing/2014/main" id="{107FD70E-EDCC-4FD7-A488-F66DCE4532BE}"/>
               </a:ext>
             </a:extLst>
           </p:cNvPr>
@@ -10866,7 +10866,7 @@
           <p:cNvPr id="4" name="灯片编号占位符 3">
             <a:extLst>
               <a:ext uri="{FF2B5EF4-FFF2-40B4-BE49-F238E27FC236}">
-                <a16:creationId xmlns:a16="http://schemas.microsoft.com/office/drawing/2014/main" xmlns="" id="{55C4F769-17BB-4C33-9F43-A09CADA5C954}"/>
+                <a16:creationId xmlns="" xmlns:a16="http://schemas.microsoft.com/office/drawing/2014/main" id="{55C4F769-17BB-4C33-9F43-A09CADA5C954}"/>
               </a:ext>
             </a:extLst>
           </p:cNvPr>
@@ -10901,7 +10901,7 @@
           <p:cNvPr id="5" name="TextBox 3">
             <a:extLst>
               <a:ext uri="{FF2B5EF4-FFF2-40B4-BE49-F238E27FC236}">
-                <a16:creationId xmlns:a16="http://schemas.microsoft.com/office/drawing/2014/main" xmlns="" id="{082E3A1A-9150-BD45-B76A-79B2A37F915E}"/>
+                <a16:creationId xmlns="" xmlns:a16="http://schemas.microsoft.com/office/drawing/2014/main" id="{082E3A1A-9150-BD45-B76A-79B2A37F915E}"/>
               </a:ext>
             </a:extLst>
           </p:cNvPr>
@@ -11069,7 +11069,7 @@
           <p:cNvPr id="6" name="TextBox 3">
             <a:extLst>
               <a:ext uri="{FF2B5EF4-FFF2-40B4-BE49-F238E27FC236}">
-                <a16:creationId xmlns:a16="http://schemas.microsoft.com/office/drawing/2014/main" xmlns="" id="{7EFB3B1D-67C7-FA4E-A7A1-74F6A3C1A49A}"/>
+                <a16:creationId xmlns="" xmlns:a16="http://schemas.microsoft.com/office/drawing/2014/main" id="{7EFB3B1D-67C7-FA4E-A7A1-74F6A3C1A49A}"/>
               </a:ext>
             </a:extLst>
           </p:cNvPr>
@@ -11372,7 +11372,7 @@
           <p:cNvPr id="2" name="标题 1">
             <a:extLst>
               <a:ext uri="{FF2B5EF4-FFF2-40B4-BE49-F238E27FC236}">
-                <a16:creationId xmlns:a16="http://schemas.microsoft.com/office/drawing/2014/main" xmlns="" id="{53620F38-AE9C-46D8-A726-CBEB83F9E0E2}"/>
+                <a16:creationId xmlns="" xmlns:a16="http://schemas.microsoft.com/office/drawing/2014/main" id="{53620F38-AE9C-46D8-A726-CBEB83F9E0E2}"/>
               </a:ext>
             </a:extLst>
           </p:cNvPr>
@@ -11408,7 +11408,7 @@
           <p:cNvPr id="3" name="内容占位符 2">
             <a:extLst>
               <a:ext uri="{FF2B5EF4-FFF2-40B4-BE49-F238E27FC236}">
-                <a16:creationId xmlns:a16="http://schemas.microsoft.com/office/drawing/2014/main" xmlns="" id="{107FD70E-EDCC-4FD7-A488-F66DCE4532BE}"/>
+                <a16:creationId xmlns="" xmlns:a16="http://schemas.microsoft.com/office/drawing/2014/main" id="{107FD70E-EDCC-4FD7-A488-F66DCE4532BE}"/>
               </a:ext>
             </a:extLst>
           </p:cNvPr>
@@ -11446,7 +11446,7 @@
           <p:cNvPr id="4" name="灯片编号占位符 3">
             <a:extLst>
               <a:ext uri="{FF2B5EF4-FFF2-40B4-BE49-F238E27FC236}">
-                <a16:creationId xmlns:a16="http://schemas.microsoft.com/office/drawing/2014/main" xmlns="" id="{55C4F769-17BB-4C33-9F43-A09CADA5C954}"/>
+                <a16:creationId xmlns="" xmlns:a16="http://schemas.microsoft.com/office/drawing/2014/main" id="{55C4F769-17BB-4C33-9F43-A09CADA5C954}"/>
               </a:ext>
             </a:extLst>
           </p:cNvPr>
@@ -11481,7 +11481,7 @@
           <p:cNvPr id="5" name="TextBox 3">
             <a:extLst>
               <a:ext uri="{FF2B5EF4-FFF2-40B4-BE49-F238E27FC236}">
-                <a16:creationId xmlns:a16="http://schemas.microsoft.com/office/drawing/2014/main" xmlns="" id="{DE1A1189-11F7-EF4C-85E4-3A81F929BE35}"/>
+                <a16:creationId xmlns="" xmlns:a16="http://schemas.microsoft.com/office/drawing/2014/main" id="{DE1A1189-11F7-EF4C-85E4-3A81F929BE35}"/>
               </a:ext>
             </a:extLst>
           </p:cNvPr>
@@ -11986,7 +11986,7 @@
           <p:cNvPr id="2" name="标题 1">
             <a:extLst>
               <a:ext uri="{FF2B5EF4-FFF2-40B4-BE49-F238E27FC236}">
-                <a16:creationId xmlns:a16="http://schemas.microsoft.com/office/drawing/2014/main" xmlns="" id="{53620F38-AE9C-46D8-A726-CBEB83F9E0E2}"/>
+                <a16:creationId xmlns="" xmlns:a16="http://schemas.microsoft.com/office/drawing/2014/main" id="{53620F38-AE9C-46D8-A726-CBEB83F9E0E2}"/>
               </a:ext>
             </a:extLst>
           </p:cNvPr>
@@ -12022,7 +12022,7 @@
           <p:cNvPr id="3" name="内容占位符 2">
             <a:extLst>
               <a:ext uri="{FF2B5EF4-FFF2-40B4-BE49-F238E27FC236}">
-                <a16:creationId xmlns:a16="http://schemas.microsoft.com/office/drawing/2014/main" xmlns="" id="{107FD70E-EDCC-4FD7-A488-F66DCE4532BE}"/>
+                <a16:creationId xmlns="" xmlns:a16="http://schemas.microsoft.com/office/drawing/2014/main" id="{107FD70E-EDCC-4FD7-A488-F66DCE4532BE}"/>
               </a:ext>
             </a:extLst>
           </p:cNvPr>
@@ -12198,7 +12198,7 @@
           <p:cNvPr id="4" name="灯片编号占位符 3">
             <a:extLst>
               <a:ext uri="{FF2B5EF4-FFF2-40B4-BE49-F238E27FC236}">
-                <a16:creationId xmlns:a16="http://schemas.microsoft.com/office/drawing/2014/main" xmlns="" id="{55C4F769-17BB-4C33-9F43-A09CADA5C954}"/>
+                <a16:creationId xmlns="" xmlns:a16="http://schemas.microsoft.com/office/drawing/2014/main" id="{55C4F769-17BB-4C33-9F43-A09CADA5C954}"/>
               </a:ext>
             </a:extLst>
           </p:cNvPr>
@@ -12233,7 +12233,7 @@
           <p:cNvPr id="5" name="TextBox 3">
             <a:extLst>
               <a:ext uri="{FF2B5EF4-FFF2-40B4-BE49-F238E27FC236}">
-                <a16:creationId xmlns:a16="http://schemas.microsoft.com/office/drawing/2014/main" xmlns="" id="{A9E7A0D5-1550-7445-BC01-34E40A929A42}"/>
+                <a16:creationId xmlns="" xmlns:a16="http://schemas.microsoft.com/office/drawing/2014/main" id="{A9E7A0D5-1550-7445-BC01-34E40A929A42}"/>
               </a:ext>
             </a:extLst>
           </p:cNvPr>
@@ -12639,7 +12639,7 @@
           <p:cNvPr id="2" name="标题 1">
             <a:extLst>
               <a:ext uri="{FF2B5EF4-FFF2-40B4-BE49-F238E27FC236}">
-                <a16:creationId xmlns:a16="http://schemas.microsoft.com/office/drawing/2014/main" xmlns="" id="{53620F38-AE9C-46D8-A726-CBEB83F9E0E2}"/>
+                <a16:creationId xmlns="" xmlns:a16="http://schemas.microsoft.com/office/drawing/2014/main" id="{53620F38-AE9C-46D8-A726-CBEB83F9E0E2}"/>
               </a:ext>
             </a:extLst>
           </p:cNvPr>
@@ -12667,7 +12667,7 @@
           <p:cNvPr id="3" name="内容占位符 2">
             <a:extLst>
               <a:ext uri="{FF2B5EF4-FFF2-40B4-BE49-F238E27FC236}">
-                <a16:creationId xmlns:a16="http://schemas.microsoft.com/office/drawing/2014/main" xmlns="" id="{107FD70E-EDCC-4FD7-A488-F66DCE4532BE}"/>
+                <a16:creationId xmlns="" xmlns:a16="http://schemas.microsoft.com/office/drawing/2014/main" id="{107FD70E-EDCC-4FD7-A488-F66DCE4532BE}"/>
               </a:ext>
             </a:extLst>
           </p:cNvPr>
@@ -12743,7 +12743,7 @@
           <p:cNvPr id="4" name="灯片编号占位符 3">
             <a:extLst>
               <a:ext uri="{FF2B5EF4-FFF2-40B4-BE49-F238E27FC236}">
-                <a16:creationId xmlns:a16="http://schemas.microsoft.com/office/drawing/2014/main" xmlns="" id="{55C4F769-17BB-4C33-9F43-A09CADA5C954}"/>
+                <a16:creationId xmlns="" xmlns:a16="http://schemas.microsoft.com/office/drawing/2014/main" id="{55C4F769-17BB-4C33-9F43-A09CADA5C954}"/>
               </a:ext>
             </a:extLst>
           </p:cNvPr>
@@ -12778,7 +12778,7 @@
           <p:cNvPr id="5" name="TextBox 3">
             <a:extLst>
               <a:ext uri="{FF2B5EF4-FFF2-40B4-BE49-F238E27FC236}">
-                <a16:creationId xmlns:a16="http://schemas.microsoft.com/office/drawing/2014/main" xmlns="" id="{9325B33C-2CA5-3548-90E5-734ED8F6BCB1}"/>
+                <a16:creationId xmlns="" xmlns:a16="http://schemas.microsoft.com/office/drawing/2014/main" id="{9325B33C-2CA5-3548-90E5-734ED8F6BCB1}"/>
               </a:ext>
             </a:extLst>
           </p:cNvPr>
@@ -13710,7 +13710,7 @@
           <p:cNvPr id="2" name="标题 1">
             <a:extLst>
               <a:ext uri="{FF2B5EF4-FFF2-40B4-BE49-F238E27FC236}">
-                <a16:creationId xmlns:a16="http://schemas.microsoft.com/office/drawing/2014/main" xmlns="" id="{53620F38-AE9C-46D8-A726-CBEB83F9E0E2}"/>
+                <a16:creationId xmlns="" xmlns:a16="http://schemas.microsoft.com/office/drawing/2014/main" id="{53620F38-AE9C-46D8-A726-CBEB83F9E0E2}"/>
               </a:ext>
             </a:extLst>
           </p:cNvPr>
@@ -13750,7 +13750,7 @@
           <p:cNvPr id="3" name="内容占位符 2">
             <a:extLst>
               <a:ext uri="{FF2B5EF4-FFF2-40B4-BE49-F238E27FC236}">
-                <a16:creationId xmlns:a16="http://schemas.microsoft.com/office/drawing/2014/main" xmlns="" id="{107FD70E-EDCC-4FD7-A488-F66DCE4532BE}"/>
+                <a16:creationId xmlns="" xmlns:a16="http://schemas.microsoft.com/office/drawing/2014/main" id="{107FD70E-EDCC-4FD7-A488-F66DCE4532BE}"/>
               </a:ext>
             </a:extLst>
           </p:cNvPr>
@@ -13955,65 +13955,6 @@
             </a:r>
             <a:endParaRPr lang="en-US" altLang="zh-CN" sz="2600" dirty="0"/>
           </a:p>
-          <a:p>
-            <a:pPr marL="228600" lvl="2">
-              <a:spcBef>
-                <a:spcPts val="1000"/>
-              </a:spcBef>
-              <a:buSzPct val="75000"/>
-              <a:buFont typeface="Wingdings" panose="05000000000000000000" pitchFamily="2" charset="2"/>
-              <a:buChar char="n"/>
-            </a:pPr>
-            <a:r>
-              <a:rPr lang="zh-CN" altLang="en-US" sz="2800" b="1" dirty="0" smtClean="0">
-                <a:solidFill>
-                  <a:srgbClr val="003366"/>
-                </a:solidFill>
-              </a:rPr>
-              <a:t>当前实现中，</a:t>
-            </a:r>
-            <a:r>
-              <a:rPr lang="en-US" altLang="zh-CN" sz="2800" dirty="0" smtClean="0"/>
-              <a:t>Singleton</a:t>
-            </a:r>
-            <a:r>
-              <a:rPr lang="ja-JP" altLang="en-US" sz="2800" b="1" dirty="0">
-                <a:solidFill>
-                  <a:srgbClr val="003366"/>
-                </a:solidFill>
-              </a:rPr>
-              <a:t>不是模板类</a:t>
-            </a:r>
-            <a:r>
-              <a:rPr lang="zh-CN" altLang="en-US" sz="2800" b="1" dirty="0">
-                <a:solidFill>
-                  <a:srgbClr val="003366"/>
-                </a:solidFill>
-              </a:rPr>
-              <a:t>，</a:t>
-            </a:r>
-            <a:r>
-              <a:rPr lang="ja-JP" altLang="en-US" sz="2800" b="1" dirty="0">
-                <a:solidFill>
-                  <a:srgbClr val="003366"/>
-                </a:solidFill>
-              </a:rPr>
-              <a:t>且调用接口与之前相同</a:t>
-            </a:r>
-            <a:r>
-              <a:rPr lang="zh-CN" altLang="en-US" sz="2800" b="1" dirty="0">
-                <a:solidFill>
-                  <a:srgbClr val="003366"/>
-                </a:solidFill>
-              </a:rPr>
-              <a:t>。</a:t>
-            </a:r>
-            <a:endParaRPr lang="en-US" altLang="zh-CN" sz="2800" b="1" dirty="0">
-              <a:solidFill>
-                <a:srgbClr val="003366"/>
-              </a:solidFill>
-            </a:endParaRPr>
-          </a:p>
         </p:txBody>
       </p:sp>
       <p:sp>
@@ -14021,7 +13962,7 @@
           <p:cNvPr id="4" name="灯片编号占位符 3">
             <a:extLst>
               <a:ext uri="{FF2B5EF4-FFF2-40B4-BE49-F238E27FC236}">
-                <a16:creationId xmlns:a16="http://schemas.microsoft.com/office/drawing/2014/main" xmlns="" id="{55C4F769-17BB-4C33-9F43-A09CADA5C954}"/>
+                <a16:creationId xmlns="" xmlns:a16="http://schemas.microsoft.com/office/drawing/2014/main" id="{55C4F769-17BB-4C33-9F43-A09CADA5C954}"/>
               </a:ext>
             </a:extLst>
           </p:cNvPr>
@@ -14056,7 +13997,7 @@
           <p:cNvPr id="5" name="TextBox 3">
             <a:extLst>
               <a:ext uri="{FF2B5EF4-FFF2-40B4-BE49-F238E27FC236}">
-                <a16:creationId xmlns:a16="http://schemas.microsoft.com/office/drawing/2014/main" xmlns="" id="{B17F6BDE-9421-304D-9318-0F5510342833}"/>
+                <a16:creationId xmlns="" xmlns:a16="http://schemas.microsoft.com/office/drawing/2014/main" id="{B17F6BDE-9421-304D-9318-0F5510342833}"/>
               </a:ext>
             </a:extLst>
           </p:cNvPr>
@@ -14537,7 +14478,7 @@
           <p:cNvPr id="2" name="标题 1">
             <a:extLst>
               <a:ext uri="{FF2B5EF4-FFF2-40B4-BE49-F238E27FC236}">
-                <a16:creationId xmlns:a16="http://schemas.microsoft.com/office/drawing/2014/main" xmlns="" id="{53620F38-AE9C-46D8-A726-CBEB83F9E0E2}"/>
+                <a16:creationId xmlns="" xmlns:a16="http://schemas.microsoft.com/office/drawing/2014/main" id="{53620F38-AE9C-46D8-A726-CBEB83F9E0E2}"/>
               </a:ext>
             </a:extLst>
           </p:cNvPr>
@@ -14570,7 +14511,7 @@
           <p:cNvPr id="3" name="内容占位符 2">
             <a:extLst>
               <a:ext uri="{FF2B5EF4-FFF2-40B4-BE49-F238E27FC236}">
-                <a16:creationId xmlns:a16="http://schemas.microsoft.com/office/drawing/2014/main" xmlns="" id="{107FD70E-EDCC-4FD7-A488-F66DCE4532BE}"/>
+                <a16:creationId xmlns="" xmlns:a16="http://schemas.microsoft.com/office/drawing/2014/main" id="{107FD70E-EDCC-4FD7-A488-F66DCE4532BE}"/>
               </a:ext>
             </a:extLst>
           </p:cNvPr>
@@ -14802,7 +14743,7 @@
           <p:cNvPr id="4" name="灯片编号占位符 3">
             <a:extLst>
               <a:ext uri="{FF2B5EF4-FFF2-40B4-BE49-F238E27FC236}">
-                <a16:creationId xmlns:a16="http://schemas.microsoft.com/office/drawing/2014/main" xmlns="" id="{55C4F769-17BB-4C33-9F43-A09CADA5C954}"/>
+                <a16:creationId xmlns="" xmlns:a16="http://schemas.microsoft.com/office/drawing/2014/main" id="{55C4F769-17BB-4C33-9F43-A09CADA5C954}"/>
               </a:ext>
             </a:extLst>
           </p:cNvPr>
@@ -14874,7 +14815,7 @@
           <p:cNvPr id="2" name="标题 1">
             <a:extLst>
               <a:ext uri="{FF2B5EF4-FFF2-40B4-BE49-F238E27FC236}">
-                <a16:creationId xmlns:a16="http://schemas.microsoft.com/office/drawing/2014/main" xmlns="" id="{53620F38-AE9C-46D8-A726-CBEB83F9E0E2}"/>
+                <a16:creationId xmlns="" xmlns:a16="http://schemas.microsoft.com/office/drawing/2014/main" id="{53620F38-AE9C-46D8-A726-CBEB83F9E0E2}"/>
               </a:ext>
             </a:extLst>
           </p:cNvPr>
@@ -14902,7 +14843,7 @@
           <p:cNvPr id="3" name="内容占位符 2">
             <a:extLst>
               <a:ext uri="{FF2B5EF4-FFF2-40B4-BE49-F238E27FC236}">
-                <a16:creationId xmlns:a16="http://schemas.microsoft.com/office/drawing/2014/main" xmlns="" id="{107FD70E-EDCC-4FD7-A488-F66DCE4532BE}"/>
+                <a16:creationId xmlns="" xmlns:a16="http://schemas.microsoft.com/office/drawing/2014/main" id="{107FD70E-EDCC-4FD7-A488-F66DCE4532BE}"/>
               </a:ext>
             </a:extLst>
           </p:cNvPr>
@@ -15100,7 +15041,7 @@
           <p:cNvPr id="4" name="灯片编号占位符 3">
             <a:extLst>
               <a:ext uri="{FF2B5EF4-FFF2-40B4-BE49-F238E27FC236}">
-                <a16:creationId xmlns:a16="http://schemas.microsoft.com/office/drawing/2014/main" xmlns="" id="{55C4F769-17BB-4C33-9F43-A09CADA5C954}"/>
+                <a16:creationId xmlns="" xmlns:a16="http://schemas.microsoft.com/office/drawing/2014/main" id="{55C4F769-17BB-4C33-9F43-A09CADA5C954}"/>
               </a:ext>
             </a:extLst>
           </p:cNvPr>
@@ -15479,7 +15420,7 @@
           <p:cNvPr id="5" name="标题 4">
             <a:extLst>
               <a:ext uri="{FF2B5EF4-FFF2-40B4-BE49-F238E27FC236}">
-                <a16:creationId xmlns:a16="http://schemas.microsoft.com/office/drawing/2014/main" xmlns="" id="{BDE94BCA-D034-4CB4-98E9-30D9F88E808D}"/>
+                <a16:creationId xmlns="" xmlns:a16="http://schemas.microsoft.com/office/drawing/2014/main" id="{BDE94BCA-D034-4CB4-98E9-30D9F88E808D}"/>
               </a:ext>
             </a:extLst>
           </p:cNvPr>
@@ -15507,7 +15448,7 @@
           <p:cNvPr id="6" name="内容占位符 5">
             <a:extLst>
               <a:ext uri="{FF2B5EF4-FFF2-40B4-BE49-F238E27FC236}">
-                <a16:creationId xmlns:a16="http://schemas.microsoft.com/office/drawing/2014/main" xmlns="" id="{3DFD67C7-38FD-4E2C-BFE3-CB269ADF737E}"/>
+                <a16:creationId xmlns="" xmlns:a16="http://schemas.microsoft.com/office/drawing/2014/main" id="{3DFD67C7-38FD-4E2C-BFE3-CB269ADF737E}"/>
               </a:ext>
             </a:extLst>
           </p:cNvPr>
@@ -15588,7 +15529,7 @@
           <p:cNvPr id="2" name="灯片编号占位符 1">
             <a:extLst>
               <a:ext uri="{FF2B5EF4-FFF2-40B4-BE49-F238E27FC236}">
-                <a16:creationId xmlns:a16="http://schemas.microsoft.com/office/drawing/2014/main" xmlns="" id="{3DDD1C5B-4E71-4F98-AF23-7A310BD5B952}"/>
+                <a16:creationId xmlns="" xmlns:a16="http://schemas.microsoft.com/office/drawing/2014/main" id="{3DDD1C5B-4E71-4F98-AF23-7A310BD5B952}"/>
               </a:ext>
             </a:extLst>
           </p:cNvPr>
@@ -15921,7 +15862,7 @@
           <p:cNvPr id="5" name="标题 4">
             <a:extLst>
               <a:ext uri="{FF2B5EF4-FFF2-40B4-BE49-F238E27FC236}">
-                <a16:creationId xmlns:a16="http://schemas.microsoft.com/office/drawing/2014/main" xmlns="" id="{BDE94BCA-D034-4CB4-98E9-30D9F88E808D}"/>
+                <a16:creationId xmlns="" xmlns:a16="http://schemas.microsoft.com/office/drawing/2014/main" id="{BDE94BCA-D034-4CB4-98E9-30D9F88E808D}"/>
               </a:ext>
             </a:extLst>
           </p:cNvPr>
@@ -15949,7 +15890,7 @@
           <p:cNvPr id="6" name="内容占位符 5">
             <a:extLst>
               <a:ext uri="{FF2B5EF4-FFF2-40B4-BE49-F238E27FC236}">
-                <a16:creationId xmlns:a16="http://schemas.microsoft.com/office/drawing/2014/main" xmlns="" id="{3DFD67C7-38FD-4E2C-BFE3-CB269ADF737E}"/>
+                <a16:creationId xmlns="" xmlns:a16="http://schemas.microsoft.com/office/drawing/2014/main" id="{3DFD67C7-38FD-4E2C-BFE3-CB269ADF737E}"/>
               </a:ext>
             </a:extLst>
           </p:cNvPr>
@@ -16084,7 +16025,7 @@
           <p:cNvPr id="2" name="灯片编号占位符 1">
             <a:extLst>
               <a:ext uri="{FF2B5EF4-FFF2-40B4-BE49-F238E27FC236}">
-                <a16:creationId xmlns:a16="http://schemas.microsoft.com/office/drawing/2014/main" xmlns="" id="{3DDD1C5B-4E71-4F98-AF23-7A310BD5B952}"/>
+                <a16:creationId xmlns="" xmlns:a16="http://schemas.microsoft.com/office/drawing/2014/main" id="{3DDD1C5B-4E71-4F98-AF23-7A310BD5B952}"/>
               </a:ext>
             </a:extLst>
           </p:cNvPr>
@@ -16119,7 +16060,7 @@
           <p:cNvPr id="7" name="TextBox 3">
             <a:extLst>
               <a:ext uri="{FF2B5EF4-FFF2-40B4-BE49-F238E27FC236}">
-                <a16:creationId xmlns:a16="http://schemas.microsoft.com/office/drawing/2014/main" xmlns="" id="{2CA0D165-2725-3643-B4DD-1FCA9DDDFD03}"/>
+                <a16:creationId xmlns="" xmlns:a16="http://schemas.microsoft.com/office/drawing/2014/main" id="{2CA0D165-2725-3643-B4DD-1FCA9DDDFD03}"/>
               </a:ext>
             </a:extLst>
           </p:cNvPr>
@@ -17015,7 +16956,7 @@
           <p:cNvPr id="5" name="标题 4">
             <a:extLst>
               <a:ext uri="{FF2B5EF4-FFF2-40B4-BE49-F238E27FC236}">
-                <a16:creationId xmlns:a16="http://schemas.microsoft.com/office/drawing/2014/main" xmlns="" id="{BDE94BCA-D034-4CB4-98E9-30D9F88E808D}"/>
+                <a16:creationId xmlns="" xmlns:a16="http://schemas.microsoft.com/office/drawing/2014/main" id="{BDE94BCA-D034-4CB4-98E9-30D9F88E808D}"/>
               </a:ext>
             </a:extLst>
           </p:cNvPr>
@@ -17043,7 +16984,7 @@
           <p:cNvPr id="6" name="内容占位符 5">
             <a:extLst>
               <a:ext uri="{FF2B5EF4-FFF2-40B4-BE49-F238E27FC236}">
-                <a16:creationId xmlns:a16="http://schemas.microsoft.com/office/drawing/2014/main" xmlns="" id="{3DFD67C7-38FD-4E2C-BFE3-CB269ADF737E}"/>
+                <a16:creationId xmlns="" xmlns:a16="http://schemas.microsoft.com/office/drawing/2014/main" id="{3DFD67C7-38FD-4E2C-BFE3-CB269ADF737E}"/>
               </a:ext>
             </a:extLst>
           </p:cNvPr>
@@ -17155,7 +17096,7 @@
           <p:cNvPr id="2" name="灯片编号占位符 1">
             <a:extLst>
               <a:ext uri="{FF2B5EF4-FFF2-40B4-BE49-F238E27FC236}">
-                <a16:creationId xmlns:a16="http://schemas.microsoft.com/office/drawing/2014/main" xmlns="" id="{3DDD1C5B-4E71-4F98-AF23-7A310BD5B952}"/>
+                <a16:creationId xmlns="" xmlns:a16="http://schemas.microsoft.com/office/drawing/2014/main" id="{3DDD1C5B-4E71-4F98-AF23-7A310BD5B952}"/>
               </a:ext>
             </a:extLst>
           </p:cNvPr>
@@ -17190,7 +17131,7 @@
           <p:cNvPr id="7" name="TextBox 3">
             <a:extLst>
               <a:ext uri="{FF2B5EF4-FFF2-40B4-BE49-F238E27FC236}">
-                <a16:creationId xmlns:a16="http://schemas.microsoft.com/office/drawing/2014/main" xmlns="" id="{F489B132-8AF8-8F4D-8FD8-CAAA134FFFF8}"/>
+                <a16:creationId xmlns="" xmlns:a16="http://schemas.microsoft.com/office/drawing/2014/main" id="{F489B132-8AF8-8F4D-8FD8-CAAA134FFFF8}"/>
               </a:ext>
             </a:extLst>
           </p:cNvPr>
@@ -17716,7 +17657,7 @@
           <p:cNvPr id="5" name="标题 4">
             <a:extLst>
               <a:ext uri="{FF2B5EF4-FFF2-40B4-BE49-F238E27FC236}">
-                <a16:creationId xmlns:a16="http://schemas.microsoft.com/office/drawing/2014/main" xmlns="" id="{BDE94BCA-D034-4CB4-98E9-30D9F88E808D}"/>
+                <a16:creationId xmlns="" xmlns:a16="http://schemas.microsoft.com/office/drawing/2014/main" id="{BDE94BCA-D034-4CB4-98E9-30D9F88E808D}"/>
               </a:ext>
             </a:extLst>
           </p:cNvPr>
@@ -17745,7 +17686,7 @@
           <p:cNvPr id="6" name="内容占位符 5">
             <a:extLst>
               <a:ext uri="{FF2B5EF4-FFF2-40B4-BE49-F238E27FC236}">
-                <a16:creationId xmlns:a16="http://schemas.microsoft.com/office/drawing/2014/main" xmlns="" id="{3DFD67C7-38FD-4E2C-BFE3-CB269ADF737E}"/>
+                <a16:creationId xmlns="" xmlns:a16="http://schemas.microsoft.com/office/drawing/2014/main" id="{3DFD67C7-38FD-4E2C-BFE3-CB269ADF737E}"/>
               </a:ext>
             </a:extLst>
           </p:cNvPr>
@@ -17939,7 +17880,7 @@
           <p:cNvPr id="2" name="灯片编号占位符 1">
             <a:extLst>
               <a:ext uri="{FF2B5EF4-FFF2-40B4-BE49-F238E27FC236}">
-                <a16:creationId xmlns:a16="http://schemas.microsoft.com/office/drawing/2014/main" xmlns="" id="{3DDD1C5B-4E71-4F98-AF23-7A310BD5B952}"/>
+                <a16:creationId xmlns="" xmlns:a16="http://schemas.microsoft.com/office/drawing/2014/main" id="{3DDD1C5B-4E71-4F98-AF23-7A310BD5B952}"/>
               </a:ext>
             </a:extLst>
           </p:cNvPr>
@@ -17974,7 +17915,7 @@
           <p:cNvPr id="7" name="TextBox 3">
             <a:extLst>
               <a:ext uri="{FF2B5EF4-FFF2-40B4-BE49-F238E27FC236}">
-                <a16:creationId xmlns:a16="http://schemas.microsoft.com/office/drawing/2014/main" xmlns="" id="{0EF01E3A-720E-934B-9663-8CB44A35FE2E}"/>
+                <a16:creationId xmlns="" xmlns:a16="http://schemas.microsoft.com/office/drawing/2014/main" id="{0EF01E3A-720E-934B-9663-8CB44A35FE2E}"/>
               </a:ext>
             </a:extLst>
           </p:cNvPr>
@@ -18482,7 +18423,7 @@
           <p:cNvPr id="5" name="标题 4">
             <a:extLst>
               <a:ext uri="{FF2B5EF4-FFF2-40B4-BE49-F238E27FC236}">
-                <a16:creationId xmlns:a16="http://schemas.microsoft.com/office/drawing/2014/main" xmlns="" id="{BDE94BCA-D034-4CB4-98E9-30D9F88E808D}"/>
+                <a16:creationId xmlns="" xmlns:a16="http://schemas.microsoft.com/office/drawing/2014/main" id="{BDE94BCA-D034-4CB4-98E9-30D9F88E808D}"/>
               </a:ext>
             </a:extLst>
           </p:cNvPr>
@@ -18510,7 +18451,7 @@
           <p:cNvPr id="6" name="内容占位符 5">
             <a:extLst>
               <a:ext uri="{FF2B5EF4-FFF2-40B4-BE49-F238E27FC236}">
-                <a16:creationId xmlns:a16="http://schemas.microsoft.com/office/drawing/2014/main" xmlns="" id="{3DFD67C7-38FD-4E2C-BFE3-CB269ADF737E}"/>
+                <a16:creationId xmlns="" xmlns:a16="http://schemas.microsoft.com/office/drawing/2014/main" id="{3DFD67C7-38FD-4E2C-BFE3-CB269ADF737E}"/>
               </a:ext>
             </a:extLst>
           </p:cNvPr>
@@ -18560,7 +18501,7 @@
           <p:cNvPr id="2" name="灯片编号占位符 1">
             <a:extLst>
               <a:ext uri="{FF2B5EF4-FFF2-40B4-BE49-F238E27FC236}">
-                <a16:creationId xmlns:a16="http://schemas.microsoft.com/office/drawing/2014/main" xmlns="" id="{3DDD1C5B-4E71-4F98-AF23-7A310BD5B952}"/>
+                <a16:creationId xmlns="" xmlns:a16="http://schemas.microsoft.com/office/drawing/2014/main" id="{3DDD1C5B-4E71-4F98-AF23-7A310BD5B952}"/>
               </a:ext>
             </a:extLst>
           </p:cNvPr>
@@ -18595,7 +18536,7 @@
           <p:cNvPr id="7" name="TextBox 3">
             <a:extLst>
               <a:ext uri="{FF2B5EF4-FFF2-40B4-BE49-F238E27FC236}">
-                <a16:creationId xmlns:a16="http://schemas.microsoft.com/office/drawing/2014/main" xmlns="" id="{A123848F-E308-6848-9694-0E2D88996E24}"/>
+                <a16:creationId xmlns="" xmlns:a16="http://schemas.microsoft.com/office/drawing/2014/main" id="{A123848F-E308-6848-9694-0E2D88996E24}"/>
               </a:ext>
             </a:extLst>
           </p:cNvPr>
@@ -19328,7 +19269,7 @@
           <p:cNvPr id="5" name="标题 4">
             <a:extLst>
               <a:ext uri="{FF2B5EF4-FFF2-40B4-BE49-F238E27FC236}">
-                <a16:creationId xmlns:a16="http://schemas.microsoft.com/office/drawing/2014/main" xmlns="" id="{BDE94BCA-D034-4CB4-98E9-30D9F88E808D}"/>
+                <a16:creationId xmlns="" xmlns:a16="http://schemas.microsoft.com/office/drawing/2014/main" id="{BDE94BCA-D034-4CB4-98E9-30D9F88E808D}"/>
               </a:ext>
             </a:extLst>
           </p:cNvPr>
@@ -19365,7 +19306,7 @@
           <p:cNvPr id="2" name="灯片编号占位符 1">
             <a:extLst>
               <a:ext uri="{FF2B5EF4-FFF2-40B4-BE49-F238E27FC236}">
-                <a16:creationId xmlns:a16="http://schemas.microsoft.com/office/drawing/2014/main" xmlns="" id="{3DDD1C5B-4E71-4F98-AF23-7A310BD5B952}"/>
+                <a16:creationId xmlns="" xmlns:a16="http://schemas.microsoft.com/office/drawing/2014/main" id="{3DDD1C5B-4E71-4F98-AF23-7A310BD5B952}"/>
               </a:ext>
             </a:extLst>
           </p:cNvPr>
@@ -19461,7 +19402,7 @@
           <p:cNvPr id="5" name="标题 4">
             <a:extLst>
               <a:ext uri="{FF2B5EF4-FFF2-40B4-BE49-F238E27FC236}">
-                <a16:creationId xmlns:a16="http://schemas.microsoft.com/office/drawing/2014/main" xmlns="" id="{BDE94BCA-D034-4CB4-98E9-30D9F88E808D}"/>
+                <a16:creationId xmlns="" xmlns:a16="http://schemas.microsoft.com/office/drawing/2014/main" id="{BDE94BCA-D034-4CB4-98E9-30D9F88E808D}"/>
               </a:ext>
             </a:extLst>
           </p:cNvPr>
@@ -19489,7 +19430,7 @@
           <p:cNvPr id="6" name="内容占位符 5">
             <a:extLst>
               <a:ext uri="{FF2B5EF4-FFF2-40B4-BE49-F238E27FC236}">
-                <a16:creationId xmlns:a16="http://schemas.microsoft.com/office/drawing/2014/main" xmlns="" id="{3DFD67C7-38FD-4E2C-BFE3-CB269ADF737E}"/>
+                <a16:creationId xmlns="" xmlns:a16="http://schemas.microsoft.com/office/drawing/2014/main" id="{3DFD67C7-38FD-4E2C-BFE3-CB269ADF737E}"/>
               </a:ext>
             </a:extLst>
           </p:cNvPr>
@@ -19704,7 +19645,7 @@
           <p:cNvPr id="2" name="灯片编号占位符 1">
             <a:extLst>
               <a:ext uri="{FF2B5EF4-FFF2-40B4-BE49-F238E27FC236}">
-                <a16:creationId xmlns:a16="http://schemas.microsoft.com/office/drawing/2014/main" xmlns="" id="{3DDD1C5B-4E71-4F98-AF23-7A310BD5B952}"/>
+                <a16:creationId xmlns="" xmlns:a16="http://schemas.microsoft.com/office/drawing/2014/main" id="{3DDD1C5B-4E71-4F98-AF23-7A310BD5B952}"/>
               </a:ext>
             </a:extLst>
           </p:cNvPr>
@@ -19739,7 +19680,7 @@
           <p:cNvPr id="7" name="TextBox 3">
             <a:extLst>
               <a:ext uri="{FF2B5EF4-FFF2-40B4-BE49-F238E27FC236}">
-                <a16:creationId xmlns:a16="http://schemas.microsoft.com/office/drawing/2014/main" xmlns="" id="{978DFA21-CF4C-884D-8177-EEEC72688E5A}"/>
+                <a16:creationId xmlns="" xmlns:a16="http://schemas.microsoft.com/office/drawing/2014/main" id="{978DFA21-CF4C-884D-8177-EEEC72688E5A}"/>
               </a:ext>
             </a:extLst>
           </p:cNvPr>
@@ -20037,7 +19978,7 @@
           <p:cNvPr id="5" name="标题 4">
             <a:extLst>
               <a:ext uri="{FF2B5EF4-FFF2-40B4-BE49-F238E27FC236}">
-                <a16:creationId xmlns:a16="http://schemas.microsoft.com/office/drawing/2014/main" xmlns="" id="{BDE94BCA-D034-4CB4-98E9-30D9F88E808D}"/>
+                <a16:creationId xmlns="" xmlns:a16="http://schemas.microsoft.com/office/drawing/2014/main" id="{BDE94BCA-D034-4CB4-98E9-30D9F88E808D}"/>
               </a:ext>
             </a:extLst>
           </p:cNvPr>
@@ -20069,7 +20010,7 @@
           <p:cNvPr id="6" name="内容占位符 5">
             <a:extLst>
               <a:ext uri="{FF2B5EF4-FFF2-40B4-BE49-F238E27FC236}">
-                <a16:creationId xmlns:a16="http://schemas.microsoft.com/office/drawing/2014/main" xmlns="" id="{3DFD67C7-38FD-4E2C-BFE3-CB269ADF737E}"/>
+                <a16:creationId xmlns="" xmlns:a16="http://schemas.microsoft.com/office/drawing/2014/main" id="{3DFD67C7-38FD-4E2C-BFE3-CB269ADF737E}"/>
               </a:ext>
             </a:extLst>
           </p:cNvPr>
@@ -20141,7 +20082,7 @@
           <p:cNvPr id="2" name="灯片编号占位符 1">
             <a:extLst>
               <a:ext uri="{FF2B5EF4-FFF2-40B4-BE49-F238E27FC236}">
-                <a16:creationId xmlns:a16="http://schemas.microsoft.com/office/drawing/2014/main" xmlns="" id="{3DDD1C5B-4E71-4F98-AF23-7A310BD5B952}"/>
+                <a16:creationId xmlns="" xmlns:a16="http://schemas.microsoft.com/office/drawing/2014/main" id="{3DDD1C5B-4E71-4F98-AF23-7A310BD5B952}"/>
               </a:ext>
             </a:extLst>
           </p:cNvPr>
@@ -20206,7 +20147,7 @@
           <p:cNvPr id="5" name="标题 4">
             <a:extLst>
               <a:ext uri="{FF2B5EF4-FFF2-40B4-BE49-F238E27FC236}">
-                <a16:creationId xmlns:a16="http://schemas.microsoft.com/office/drawing/2014/main" xmlns="" id="{BDE94BCA-D034-4CB4-98E9-30D9F88E808D}"/>
+                <a16:creationId xmlns="" xmlns:a16="http://schemas.microsoft.com/office/drawing/2014/main" id="{BDE94BCA-D034-4CB4-98E9-30D9F88E808D}"/>
               </a:ext>
             </a:extLst>
           </p:cNvPr>
@@ -20234,7 +20175,7 @@
           <p:cNvPr id="6" name="内容占位符 5">
             <a:extLst>
               <a:ext uri="{FF2B5EF4-FFF2-40B4-BE49-F238E27FC236}">
-                <a16:creationId xmlns:a16="http://schemas.microsoft.com/office/drawing/2014/main" xmlns="" id="{3DFD67C7-38FD-4E2C-BFE3-CB269ADF737E}"/>
+                <a16:creationId xmlns="" xmlns:a16="http://schemas.microsoft.com/office/drawing/2014/main" id="{3DFD67C7-38FD-4E2C-BFE3-CB269ADF737E}"/>
               </a:ext>
             </a:extLst>
           </p:cNvPr>
@@ -20306,7 +20247,7 @@
           <p:cNvPr id="2" name="灯片编号占位符 1">
             <a:extLst>
               <a:ext uri="{FF2B5EF4-FFF2-40B4-BE49-F238E27FC236}">
-                <a16:creationId xmlns:a16="http://schemas.microsoft.com/office/drawing/2014/main" xmlns="" id="{3DDD1C5B-4E71-4F98-AF23-7A310BD5B952}"/>
+                <a16:creationId xmlns="" xmlns:a16="http://schemas.microsoft.com/office/drawing/2014/main" id="{3DDD1C5B-4E71-4F98-AF23-7A310BD5B952}"/>
               </a:ext>
             </a:extLst>
           </p:cNvPr>
@@ -20371,7 +20312,7 @@
           <p:cNvPr id="5" name="标题 4">
             <a:extLst>
               <a:ext uri="{FF2B5EF4-FFF2-40B4-BE49-F238E27FC236}">
-                <a16:creationId xmlns:a16="http://schemas.microsoft.com/office/drawing/2014/main" xmlns="" id="{BDE94BCA-D034-4CB4-98E9-30D9F88E808D}"/>
+                <a16:creationId xmlns="" xmlns:a16="http://schemas.microsoft.com/office/drawing/2014/main" id="{BDE94BCA-D034-4CB4-98E9-30D9F88E808D}"/>
               </a:ext>
             </a:extLst>
           </p:cNvPr>
@@ -20399,7 +20340,7 @@
           <p:cNvPr id="6" name="内容占位符 5">
             <a:extLst>
               <a:ext uri="{FF2B5EF4-FFF2-40B4-BE49-F238E27FC236}">
-                <a16:creationId xmlns:a16="http://schemas.microsoft.com/office/drawing/2014/main" xmlns="" id="{3DFD67C7-38FD-4E2C-BFE3-CB269ADF737E}"/>
+                <a16:creationId xmlns="" xmlns:a16="http://schemas.microsoft.com/office/drawing/2014/main" id="{3DFD67C7-38FD-4E2C-BFE3-CB269ADF737E}"/>
               </a:ext>
             </a:extLst>
           </p:cNvPr>
@@ -20473,7 +20414,7 @@
           <p:cNvPr id="2" name="灯片编号占位符 1">
             <a:extLst>
               <a:ext uri="{FF2B5EF4-FFF2-40B4-BE49-F238E27FC236}">
-                <a16:creationId xmlns:a16="http://schemas.microsoft.com/office/drawing/2014/main" xmlns="" id="{3DDD1C5B-4E71-4F98-AF23-7A310BD5B952}"/>
+                <a16:creationId xmlns="" xmlns:a16="http://schemas.microsoft.com/office/drawing/2014/main" id="{3DDD1C5B-4E71-4F98-AF23-7A310BD5B952}"/>
               </a:ext>
             </a:extLst>
           </p:cNvPr>
@@ -20508,7 +20449,7 @@
           <p:cNvPr id="7" name="TextBox 3">
             <a:extLst>
               <a:ext uri="{FF2B5EF4-FFF2-40B4-BE49-F238E27FC236}">
-                <a16:creationId xmlns:a16="http://schemas.microsoft.com/office/drawing/2014/main" xmlns="" id="{8DA3A69F-86A1-7147-9A2A-9634FE7CD65F}"/>
+                <a16:creationId xmlns="" xmlns:a16="http://schemas.microsoft.com/office/drawing/2014/main" id="{8DA3A69F-86A1-7147-9A2A-9634FE7CD65F}"/>
               </a:ext>
             </a:extLst>
           </p:cNvPr>
@@ -21336,7 +21277,7 @@
           <p:cNvPr id="5" name="标题 4">
             <a:extLst>
               <a:ext uri="{FF2B5EF4-FFF2-40B4-BE49-F238E27FC236}">
-                <a16:creationId xmlns:a16="http://schemas.microsoft.com/office/drawing/2014/main" xmlns="" id="{BDE94BCA-D034-4CB4-98E9-30D9F88E808D}"/>
+                <a16:creationId xmlns="" xmlns:a16="http://schemas.microsoft.com/office/drawing/2014/main" id="{BDE94BCA-D034-4CB4-98E9-30D9F88E808D}"/>
               </a:ext>
             </a:extLst>
           </p:cNvPr>
@@ -21364,7 +21305,7 @@
           <p:cNvPr id="6" name="内容占位符 5">
             <a:extLst>
               <a:ext uri="{FF2B5EF4-FFF2-40B4-BE49-F238E27FC236}">
-                <a16:creationId xmlns:a16="http://schemas.microsoft.com/office/drawing/2014/main" xmlns="" id="{3DFD67C7-38FD-4E2C-BFE3-CB269ADF737E}"/>
+                <a16:creationId xmlns="" xmlns:a16="http://schemas.microsoft.com/office/drawing/2014/main" id="{3DFD67C7-38FD-4E2C-BFE3-CB269ADF737E}"/>
               </a:ext>
             </a:extLst>
           </p:cNvPr>
@@ -21442,7 +21383,7 @@
           <p:cNvPr id="2" name="灯片编号占位符 1">
             <a:extLst>
               <a:ext uri="{FF2B5EF4-FFF2-40B4-BE49-F238E27FC236}">
-                <a16:creationId xmlns:a16="http://schemas.microsoft.com/office/drawing/2014/main" xmlns="" id="{3DDD1C5B-4E71-4F98-AF23-7A310BD5B952}"/>
+                <a16:creationId xmlns="" xmlns:a16="http://schemas.microsoft.com/office/drawing/2014/main" id="{3DDD1C5B-4E71-4F98-AF23-7A310BD5B952}"/>
               </a:ext>
             </a:extLst>
           </p:cNvPr>
@@ -21507,7 +21448,7 @@
           <p:cNvPr id="5" name="标题 4">
             <a:extLst>
               <a:ext uri="{FF2B5EF4-FFF2-40B4-BE49-F238E27FC236}">
-                <a16:creationId xmlns:a16="http://schemas.microsoft.com/office/drawing/2014/main" xmlns="" id="{BDE94BCA-D034-4CB4-98E9-30D9F88E808D}"/>
+                <a16:creationId xmlns="" xmlns:a16="http://schemas.microsoft.com/office/drawing/2014/main" id="{BDE94BCA-D034-4CB4-98E9-30D9F88E808D}"/>
               </a:ext>
             </a:extLst>
           </p:cNvPr>
@@ -21535,7 +21476,7 @@
           <p:cNvPr id="6" name="内容占位符 5">
             <a:extLst>
               <a:ext uri="{FF2B5EF4-FFF2-40B4-BE49-F238E27FC236}">
-                <a16:creationId xmlns:a16="http://schemas.microsoft.com/office/drawing/2014/main" xmlns="" id="{3DFD67C7-38FD-4E2C-BFE3-CB269ADF737E}"/>
+                <a16:creationId xmlns="" xmlns:a16="http://schemas.microsoft.com/office/drawing/2014/main" id="{3DFD67C7-38FD-4E2C-BFE3-CB269ADF737E}"/>
               </a:ext>
             </a:extLst>
           </p:cNvPr>
@@ -21649,7 +21590,7 @@
           <p:cNvPr id="2" name="灯片编号占位符 1">
             <a:extLst>
               <a:ext uri="{FF2B5EF4-FFF2-40B4-BE49-F238E27FC236}">
-                <a16:creationId xmlns:a16="http://schemas.microsoft.com/office/drawing/2014/main" xmlns="" id="{3DDD1C5B-4E71-4F98-AF23-7A310BD5B952}"/>
+                <a16:creationId xmlns="" xmlns:a16="http://schemas.microsoft.com/office/drawing/2014/main" id="{3DDD1C5B-4E71-4F98-AF23-7A310BD5B952}"/>
               </a:ext>
             </a:extLst>
           </p:cNvPr>
@@ -21684,7 +21625,7 @@
           <p:cNvPr id="3" name="Picture 2">
             <a:extLst>
               <a:ext uri="{FF2B5EF4-FFF2-40B4-BE49-F238E27FC236}">
-                <a16:creationId xmlns:a16="http://schemas.microsoft.com/office/drawing/2014/main" xmlns="" id="{25662074-2CB1-9E47-B57C-AB0B705D3698}"/>
+                <a16:creationId xmlns="" xmlns:a16="http://schemas.microsoft.com/office/drawing/2014/main" id="{25662074-2CB1-9E47-B57C-AB0B705D3698}"/>
               </a:ext>
             </a:extLst>
           </p:cNvPr>
@@ -21750,7 +21691,7 @@
           <p:cNvPr id="5" name="标题 4">
             <a:extLst>
               <a:ext uri="{FF2B5EF4-FFF2-40B4-BE49-F238E27FC236}">
-                <a16:creationId xmlns:a16="http://schemas.microsoft.com/office/drawing/2014/main" xmlns="" id="{BDE94BCA-D034-4CB4-98E9-30D9F88E808D}"/>
+                <a16:creationId xmlns="" xmlns:a16="http://schemas.microsoft.com/office/drawing/2014/main" id="{BDE94BCA-D034-4CB4-98E9-30D9F88E808D}"/>
               </a:ext>
             </a:extLst>
           </p:cNvPr>
@@ -21778,7 +21719,7 @@
           <p:cNvPr id="6" name="内容占位符 5">
             <a:extLst>
               <a:ext uri="{FF2B5EF4-FFF2-40B4-BE49-F238E27FC236}">
-                <a16:creationId xmlns:a16="http://schemas.microsoft.com/office/drawing/2014/main" xmlns="" id="{3DFD67C7-38FD-4E2C-BFE3-CB269ADF737E}"/>
+                <a16:creationId xmlns="" xmlns:a16="http://schemas.microsoft.com/office/drawing/2014/main" id="{3DFD67C7-38FD-4E2C-BFE3-CB269ADF737E}"/>
               </a:ext>
             </a:extLst>
           </p:cNvPr>
@@ -21821,7 +21762,7 @@
           <p:cNvPr id="2" name="灯片编号占位符 1">
             <a:extLst>
               <a:ext uri="{FF2B5EF4-FFF2-40B4-BE49-F238E27FC236}">
-                <a16:creationId xmlns:a16="http://schemas.microsoft.com/office/drawing/2014/main" xmlns="" id="{3DDD1C5B-4E71-4F98-AF23-7A310BD5B952}"/>
+                <a16:creationId xmlns="" xmlns:a16="http://schemas.microsoft.com/office/drawing/2014/main" id="{3DDD1C5B-4E71-4F98-AF23-7A310BD5B952}"/>
               </a:ext>
             </a:extLst>
           </p:cNvPr>
@@ -21856,7 +21797,7 @@
           <p:cNvPr id="3" name="Picture 2">
             <a:extLst>
               <a:ext uri="{FF2B5EF4-FFF2-40B4-BE49-F238E27FC236}">
-                <a16:creationId xmlns:a16="http://schemas.microsoft.com/office/drawing/2014/main" xmlns="" id="{25662074-2CB1-9E47-B57C-AB0B705D3698}"/>
+                <a16:creationId xmlns="" xmlns:a16="http://schemas.microsoft.com/office/drawing/2014/main" id="{25662074-2CB1-9E47-B57C-AB0B705D3698}"/>
               </a:ext>
             </a:extLst>
           </p:cNvPr>
@@ -21892,7 +21833,7 @@
           <p:cNvPr id="4" name="Picture 3">
             <a:extLst>
               <a:ext uri="{FF2B5EF4-FFF2-40B4-BE49-F238E27FC236}">
-                <a16:creationId xmlns:a16="http://schemas.microsoft.com/office/drawing/2014/main" xmlns="" id="{66FF1DDB-DD81-0E41-B076-4CFB36D33466}"/>
+                <a16:creationId xmlns="" xmlns:a16="http://schemas.microsoft.com/office/drawing/2014/main" id="{66FF1DDB-DD81-0E41-B076-4CFB36D33466}"/>
               </a:ext>
             </a:extLst>
           </p:cNvPr>
@@ -21928,7 +21869,7 @@
           <p:cNvPr id="8" name="Picture 7">
             <a:extLst>
               <a:ext uri="{FF2B5EF4-FFF2-40B4-BE49-F238E27FC236}">
-                <a16:creationId xmlns:a16="http://schemas.microsoft.com/office/drawing/2014/main" xmlns="" id="{7AFE54CB-F6BF-1446-9363-B013C833777B}"/>
+                <a16:creationId xmlns="" xmlns:a16="http://schemas.microsoft.com/office/drawing/2014/main" id="{7AFE54CB-F6BF-1446-9363-B013C833777B}"/>
               </a:ext>
             </a:extLst>
           </p:cNvPr>
@@ -21964,7 +21905,7 @@
           <p:cNvPr id="7" name="Picture 6">
             <a:extLst>
               <a:ext uri="{FF2B5EF4-FFF2-40B4-BE49-F238E27FC236}">
-                <a16:creationId xmlns:a16="http://schemas.microsoft.com/office/drawing/2014/main" xmlns="" id="{633FCB97-36BD-6D47-B04A-7D7C16406176}"/>
+                <a16:creationId xmlns="" xmlns:a16="http://schemas.microsoft.com/office/drawing/2014/main" id="{633FCB97-36BD-6D47-B04A-7D7C16406176}"/>
               </a:ext>
             </a:extLst>
           </p:cNvPr>
@@ -22030,7 +21971,7 @@
           <p:cNvPr id="5" name="标题 4">
             <a:extLst>
               <a:ext uri="{FF2B5EF4-FFF2-40B4-BE49-F238E27FC236}">
-                <a16:creationId xmlns:a16="http://schemas.microsoft.com/office/drawing/2014/main" xmlns="" id="{BDE94BCA-D034-4CB4-98E9-30D9F88E808D}"/>
+                <a16:creationId xmlns="" xmlns:a16="http://schemas.microsoft.com/office/drawing/2014/main" id="{BDE94BCA-D034-4CB4-98E9-30D9F88E808D}"/>
               </a:ext>
             </a:extLst>
           </p:cNvPr>
@@ -22062,7 +22003,7 @@
           <p:cNvPr id="6" name="内容占位符 5">
             <a:extLst>
               <a:ext uri="{FF2B5EF4-FFF2-40B4-BE49-F238E27FC236}">
-                <a16:creationId xmlns:a16="http://schemas.microsoft.com/office/drawing/2014/main" xmlns="" id="{3DFD67C7-38FD-4E2C-BFE3-CB269ADF737E}"/>
+                <a16:creationId xmlns="" xmlns:a16="http://schemas.microsoft.com/office/drawing/2014/main" id="{3DFD67C7-38FD-4E2C-BFE3-CB269ADF737E}"/>
               </a:ext>
             </a:extLst>
           </p:cNvPr>
@@ -22281,7 +22222,7 @@
           <p:cNvPr id="2" name="灯片编号占位符 1">
             <a:extLst>
               <a:ext uri="{FF2B5EF4-FFF2-40B4-BE49-F238E27FC236}">
-                <a16:creationId xmlns:a16="http://schemas.microsoft.com/office/drawing/2014/main" xmlns="" id="{3DDD1C5B-4E71-4F98-AF23-7A310BD5B952}"/>
+                <a16:creationId xmlns="" xmlns:a16="http://schemas.microsoft.com/office/drawing/2014/main" id="{3DDD1C5B-4E71-4F98-AF23-7A310BD5B952}"/>
               </a:ext>
             </a:extLst>
           </p:cNvPr>
@@ -22346,7 +22287,7 @@
           <p:cNvPr id="5" name="标题 4">
             <a:extLst>
               <a:ext uri="{FF2B5EF4-FFF2-40B4-BE49-F238E27FC236}">
-                <a16:creationId xmlns:a16="http://schemas.microsoft.com/office/drawing/2014/main" xmlns="" id="{BDE94BCA-D034-4CB4-98E9-30D9F88E808D}"/>
+                <a16:creationId xmlns="" xmlns:a16="http://schemas.microsoft.com/office/drawing/2014/main" id="{BDE94BCA-D034-4CB4-98E9-30D9F88E808D}"/>
               </a:ext>
             </a:extLst>
           </p:cNvPr>
@@ -22383,7 +22324,7 @@
           <p:cNvPr id="6" name="内容占位符 5">
             <a:extLst>
               <a:ext uri="{FF2B5EF4-FFF2-40B4-BE49-F238E27FC236}">
-                <a16:creationId xmlns:a16="http://schemas.microsoft.com/office/drawing/2014/main" xmlns="" id="{3DFD67C7-38FD-4E2C-BFE3-CB269ADF737E}"/>
+                <a16:creationId xmlns="" xmlns:a16="http://schemas.microsoft.com/office/drawing/2014/main" id="{3DFD67C7-38FD-4E2C-BFE3-CB269ADF737E}"/>
               </a:ext>
             </a:extLst>
           </p:cNvPr>
@@ -22549,7 +22490,7 @@
           <p:cNvPr id="2" name="灯片编号占位符 1">
             <a:extLst>
               <a:ext uri="{FF2B5EF4-FFF2-40B4-BE49-F238E27FC236}">
-                <a16:creationId xmlns:a16="http://schemas.microsoft.com/office/drawing/2014/main" xmlns="" id="{3DDD1C5B-4E71-4F98-AF23-7A310BD5B952}"/>
+                <a16:creationId xmlns="" xmlns:a16="http://schemas.microsoft.com/office/drawing/2014/main" id="{3DDD1C5B-4E71-4F98-AF23-7A310BD5B952}"/>
               </a:ext>
             </a:extLst>
           </p:cNvPr>
@@ -22584,7 +22525,7 @@
           <p:cNvPr id="7" name="TextBox 3">
             <a:extLst>
               <a:ext uri="{FF2B5EF4-FFF2-40B4-BE49-F238E27FC236}">
-                <a16:creationId xmlns:a16="http://schemas.microsoft.com/office/drawing/2014/main" xmlns="" id="{CCA93E50-B387-0244-BAFC-89A0CF9CD667}"/>
+                <a16:creationId xmlns="" xmlns:a16="http://schemas.microsoft.com/office/drawing/2014/main" id="{CCA93E50-B387-0244-BAFC-89A0CF9CD667}"/>
               </a:ext>
             </a:extLst>
           </p:cNvPr>
@@ -23129,7 +23070,7 @@
           <p:cNvPr id="5" name="标题 4">
             <a:extLst>
               <a:ext uri="{FF2B5EF4-FFF2-40B4-BE49-F238E27FC236}">
-                <a16:creationId xmlns:a16="http://schemas.microsoft.com/office/drawing/2014/main" xmlns="" id="{BDE94BCA-D034-4CB4-98E9-30D9F88E808D}"/>
+                <a16:creationId xmlns="" xmlns:a16="http://schemas.microsoft.com/office/drawing/2014/main" id="{BDE94BCA-D034-4CB4-98E9-30D9F88E808D}"/>
               </a:ext>
             </a:extLst>
           </p:cNvPr>
@@ -23161,7 +23102,7 @@
           <p:cNvPr id="6" name="内容占位符 5">
             <a:extLst>
               <a:ext uri="{FF2B5EF4-FFF2-40B4-BE49-F238E27FC236}">
-                <a16:creationId xmlns:a16="http://schemas.microsoft.com/office/drawing/2014/main" xmlns="" id="{3DFD67C7-38FD-4E2C-BFE3-CB269ADF737E}"/>
+                <a16:creationId xmlns="" xmlns:a16="http://schemas.microsoft.com/office/drawing/2014/main" id="{3DFD67C7-38FD-4E2C-BFE3-CB269ADF737E}"/>
               </a:ext>
             </a:extLst>
           </p:cNvPr>
@@ -23449,7 +23390,7 @@
           <p:cNvPr id="2" name="灯片编号占位符 1">
             <a:extLst>
               <a:ext uri="{FF2B5EF4-FFF2-40B4-BE49-F238E27FC236}">
-                <a16:creationId xmlns:a16="http://schemas.microsoft.com/office/drawing/2014/main" xmlns="" id="{3DDD1C5B-4E71-4F98-AF23-7A310BD5B952}"/>
+                <a16:creationId xmlns="" xmlns:a16="http://schemas.microsoft.com/office/drawing/2014/main" id="{3DDD1C5B-4E71-4F98-AF23-7A310BD5B952}"/>
               </a:ext>
             </a:extLst>
           </p:cNvPr>
@@ -23484,7 +23425,7 @@
           <p:cNvPr id="7" name="TextBox 3">
             <a:extLst>
               <a:ext uri="{FF2B5EF4-FFF2-40B4-BE49-F238E27FC236}">
-                <a16:creationId xmlns:a16="http://schemas.microsoft.com/office/drawing/2014/main" xmlns="" id="{CCA93E50-B387-0244-BAFC-89A0CF9CD667}"/>
+                <a16:creationId xmlns="" xmlns:a16="http://schemas.microsoft.com/office/drawing/2014/main" id="{CCA93E50-B387-0244-BAFC-89A0CF9CD667}"/>
               </a:ext>
             </a:extLst>
           </p:cNvPr>
@@ -23892,7 +23833,7 @@
           <p:cNvPr id="5" name="标题 4">
             <a:extLst>
               <a:ext uri="{FF2B5EF4-FFF2-40B4-BE49-F238E27FC236}">
-                <a16:creationId xmlns:a16="http://schemas.microsoft.com/office/drawing/2014/main" xmlns="" id="{BDE94BCA-D034-4CB4-98E9-30D9F88E808D}"/>
+                <a16:creationId xmlns="" xmlns:a16="http://schemas.microsoft.com/office/drawing/2014/main" id="{BDE94BCA-D034-4CB4-98E9-30D9F88E808D}"/>
               </a:ext>
             </a:extLst>
           </p:cNvPr>
@@ -23924,7 +23865,7 @@
           <p:cNvPr id="6" name="内容占位符 5">
             <a:extLst>
               <a:ext uri="{FF2B5EF4-FFF2-40B4-BE49-F238E27FC236}">
-                <a16:creationId xmlns:a16="http://schemas.microsoft.com/office/drawing/2014/main" xmlns="" id="{3DFD67C7-38FD-4E2C-BFE3-CB269ADF737E}"/>
+                <a16:creationId xmlns="" xmlns:a16="http://schemas.microsoft.com/office/drawing/2014/main" id="{3DFD67C7-38FD-4E2C-BFE3-CB269ADF737E}"/>
               </a:ext>
             </a:extLst>
           </p:cNvPr>
@@ -24098,7 +24039,7 @@
           <p:cNvPr id="2" name="灯片编号占位符 1">
             <a:extLst>
               <a:ext uri="{FF2B5EF4-FFF2-40B4-BE49-F238E27FC236}">
-                <a16:creationId xmlns:a16="http://schemas.microsoft.com/office/drawing/2014/main" xmlns="" id="{3DDD1C5B-4E71-4F98-AF23-7A310BD5B952}"/>
+                <a16:creationId xmlns="" xmlns:a16="http://schemas.microsoft.com/office/drawing/2014/main" id="{3DDD1C5B-4E71-4F98-AF23-7A310BD5B952}"/>
               </a:ext>
             </a:extLst>
           </p:cNvPr>
@@ -24133,7 +24074,7 @@
           <p:cNvPr id="7" name="TextBox 3">
             <a:extLst>
               <a:ext uri="{FF2B5EF4-FFF2-40B4-BE49-F238E27FC236}">
-                <a16:creationId xmlns:a16="http://schemas.microsoft.com/office/drawing/2014/main" xmlns="" id="{CCA93E50-B387-0244-BAFC-89A0CF9CD667}"/>
+                <a16:creationId xmlns="" xmlns:a16="http://schemas.microsoft.com/office/drawing/2014/main" id="{CCA93E50-B387-0244-BAFC-89A0CF9CD667}"/>
               </a:ext>
             </a:extLst>
           </p:cNvPr>
@@ -24541,7 +24482,7 @@
           <p:cNvPr id="5" name="标题 4">
             <a:extLst>
               <a:ext uri="{FF2B5EF4-FFF2-40B4-BE49-F238E27FC236}">
-                <a16:creationId xmlns:a16="http://schemas.microsoft.com/office/drawing/2014/main" xmlns="" id="{BDE94BCA-D034-4CB4-98E9-30D9F88E808D}"/>
+                <a16:creationId xmlns="" xmlns:a16="http://schemas.microsoft.com/office/drawing/2014/main" id="{BDE94BCA-D034-4CB4-98E9-30D9F88E808D}"/>
               </a:ext>
             </a:extLst>
           </p:cNvPr>
@@ -24569,7 +24510,7 @@
           <p:cNvPr id="6" name="内容占位符 5">
             <a:extLst>
               <a:ext uri="{FF2B5EF4-FFF2-40B4-BE49-F238E27FC236}">
-                <a16:creationId xmlns:a16="http://schemas.microsoft.com/office/drawing/2014/main" xmlns="" id="{3DFD67C7-38FD-4E2C-BFE3-CB269ADF737E}"/>
+                <a16:creationId xmlns="" xmlns:a16="http://schemas.microsoft.com/office/drawing/2014/main" id="{3DFD67C7-38FD-4E2C-BFE3-CB269ADF737E}"/>
               </a:ext>
             </a:extLst>
           </p:cNvPr>
@@ -24660,7 +24601,7 @@
           <p:cNvPr id="2" name="灯片编号占位符 1">
             <a:extLst>
               <a:ext uri="{FF2B5EF4-FFF2-40B4-BE49-F238E27FC236}">
-                <a16:creationId xmlns:a16="http://schemas.microsoft.com/office/drawing/2014/main" xmlns="" id="{3DDD1C5B-4E71-4F98-AF23-7A310BD5B952}"/>
+                <a16:creationId xmlns="" xmlns:a16="http://schemas.microsoft.com/office/drawing/2014/main" id="{3DDD1C5B-4E71-4F98-AF23-7A310BD5B952}"/>
               </a:ext>
             </a:extLst>
           </p:cNvPr>
@@ -24695,7 +24636,7 @@
           <p:cNvPr id="7" name="TextBox 3">
             <a:extLst>
               <a:ext uri="{FF2B5EF4-FFF2-40B4-BE49-F238E27FC236}">
-                <a16:creationId xmlns:a16="http://schemas.microsoft.com/office/drawing/2014/main" xmlns="" id="{4BE63E95-ED52-A749-A6F5-6E60798B609C}"/>
+                <a16:creationId xmlns="" xmlns:a16="http://schemas.microsoft.com/office/drawing/2014/main" id="{4BE63E95-ED52-A749-A6F5-6E60798B609C}"/>
               </a:ext>
             </a:extLst>
           </p:cNvPr>
@@ -25268,7 +25209,7 @@
           <p:cNvPr id="5" name="标题 4">
             <a:extLst>
               <a:ext uri="{FF2B5EF4-FFF2-40B4-BE49-F238E27FC236}">
-                <a16:creationId xmlns:a16="http://schemas.microsoft.com/office/drawing/2014/main" xmlns="" id="{BDE94BCA-D034-4CB4-98E9-30D9F88E808D}"/>
+                <a16:creationId xmlns="" xmlns:a16="http://schemas.microsoft.com/office/drawing/2014/main" id="{BDE94BCA-D034-4CB4-98E9-30D9F88E808D}"/>
               </a:ext>
             </a:extLst>
           </p:cNvPr>
@@ -25300,7 +25241,7 @@
           <p:cNvPr id="6" name="内容占位符 5">
             <a:extLst>
               <a:ext uri="{FF2B5EF4-FFF2-40B4-BE49-F238E27FC236}">
-                <a16:creationId xmlns:a16="http://schemas.microsoft.com/office/drawing/2014/main" xmlns="" id="{3DFD67C7-38FD-4E2C-BFE3-CB269ADF737E}"/>
+                <a16:creationId xmlns="" xmlns:a16="http://schemas.microsoft.com/office/drawing/2014/main" id="{3DFD67C7-38FD-4E2C-BFE3-CB269ADF737E}"/>
               </a:ext>
             </a:extLst>
           </p:cNvPr>
@@ -25466,7 +25407,7 @@
           <p:cNvPr id="2" name="灯片编号占位符 1">
             <a:extLst>
               <a:ext uri="{FF2B5EF4-FFF2-40B4-BE49-F238E27FC236}">
-                <a16:creationId xmlns:a16="http://schemas.microsoft.com/office/drawing/2014/main" xmlns="" id="{3DDD1C5B-4E71-4F98-AF23-7A310BD5B952}"/>
+                <a16:creationId xmlns="" xmlns:a16="http://schemas.microsoft.com/office/drawing/2014/main" id="{3DDD1C5B-4E71-4F98-AF23-7A310BD5B952}"/>
               </a:ext>
             </a:extLst>
           </p:cNvPr>
@@ -25531,7 +25472,7 @@
           <p:cNvPr id="5" name="标题 4">
             <a:extLst>
               <a:ext uri="{FF2B5EF4-FFF2-40B4-BE49-F238E27FC236}">
-                <a16:creationId xmlns:a16="http://schemas.microsoft.com/office/drawing/2014/main" xmlns="" id="{BDE94BCA-D034-4CB4-98E9-30D9F88E808D}"/>
+                <a16:creationId xmlns="" xmlns:a16="http://schemas.microsoft.com/office/drawing/2014/main" id="{BDE94BCA-D034-4CB4-98E9-30D9F88E808D}"/>
               </a:ext>
             </a:extLst>
           </p:cNvPr>
@@ -25559,7 +25500,7 @@
           <p:cNvPr id="6" name="内容占位符 5">
             <a:extLst>
               <a:ext uri="{FF2B5EF4-FFF2-40B4-BE49-F238E27FC236}">
-                <a16:creationId xmlns:a16="http://schemas.microsoft.com/office/drawing/2014/main" xmlns="" id="{3DFD67C7-38FD-4E2C-BFE3-CB269ADF737E}"/>
+                <a16:creationId xmlns="" xmlns:a16="http://schemas.microsoft.com/office/drawing/2014/main" id="{3DFD67C7-38FD-4E2C-BFE3-CB269ADF737E}"/>
               </a:ext>
             </a:extLst>
           </p:cNvPr>
@@ -25908,7 +25849,7 @@
           <p:cNvPr id="2" name="灯片编号占位符 1">
             <a:extLst>
               <a:ext uri="{FF2B5EF4-FFF2-40B4-BE49-F238E27FC236}">
-                <a16:creationId xmlns:a16="http://schemas.microsoft.com/office/drawing/2014/main" xmlns="" id="{3DDD1C5B-4E71-4F98-AF23-7A310BD5B952}"/>
+                <a16:creationId xmlns="" xmlns:a16="http://schemas.microsoft.com/office/drawing/2014/main" id="{3DDD1C5B-4E71-4F98-AF23-7A310BD5B952}"/>
               </a:ext>
             </a:extLst>
           </p:cNvPr>
@@ -25943,7 +25884,7 @@
           <p:cNvPr id="7" name="TextBox 3">
             <a:extLst>
               <a:ext uri="{FF2B5EF4-FFF2-40B4-BE49-F238E27FC236}">
-                <a16:creationId xmlns:a16="http://schemas.microsoft.com/office/drawing/2014/main" xmlns="" id="{5758A18F-8551-614E-85F5-5C7A2A7B2189}"/>
+                <a16:creationId xmlns="" xmlns:a16="http://schemas.microsoft.com/office/drawing/2014/main" id="{5758A18F-8551-614E-85F5-5C7A2A7B2189}"/>
               </a:ext>
             </a:extLst>
           </p:cNvPr>
@@ -26741,7 +26682,7 @@
           <p:cNvPr id="5" name="标题 4">
             <a:extLst>
               <a:ext uri="{FF2B5EF4-FFF2-40B4-BE49-F238E27FC236}">
-                <a16:creationId xmlns:a16="http://schemas.microsoft.com/office/drawing/2014/main" xmlns="" id="{BDE94BCA-D034-4CB4-98E9-30D9F88E808D}"/>
+                <a16:creationId xmlns="" xmlns:a16="http://schemas.microsoft.com/office/drawing/2014/main" id="{BDE94BCA-D034-4CB4-98E9-30D9F88E808D}"/>
               </a:ext>
             </a:extLst>
           </p:cNvPr>
@@ -26769,7 +26710,7 @@
           <p:cNvPr id="6" name="内容占位符 5">
             <a:extLst>
               <a:ext uri="{FF2B5EF4-FFF2-40B4-BE49-F238E27FC236}">
-                <a16:creationId xmlns:a16="http://schemas.microsoft.com/office/drawing/2014/main" xmlns="" id="{3DFD67C7-38FD-4E2C-BFE3-CB269ADF737E}"/>
+                <a16:creationId xmlns="" xmlns:a16="http://schemas.microsoft.com/office/drawing/2014/main" id="{3DFD67C7-38FD-4E2C-BFE3-CB269ADF737E}"/>
               </a:ext>
             </a:extLst>
           </p:cNvPr>
@@ -26916,7 +26857,7 @@
           <p:cNvPr id="2" name="灯片编号占位符 1">
             <a:extLst>
               <a:ext uri="{FF2B5EF4-FFF2-40B4-BE49-F238E27FC236}">
-                <a16:creationId xmlns:a16="http://schemas.microsoft.com/office/drawing/2014/main" xmlns="" id="{3DDD1C5B-4E71-4F98-AF23-7A310BD5B952}"/>
+                <a16:creationId xmlns="" xmlns:a16="http://schemas.microsoft.com/office/drawing/2014/main" id="{3DDD1C5B-4E71-4F98-AF23-7A310BD5B952}"/>
               </a:ext>
             </a:extLst>
           </p:cNvPr>
@@ -26981,7 +26922,7 @@
           <p:cNvPr id="5" name="标题 4">
             <a:extLst>
               <a:ext uri="{FF2B5EF4-FFF2-40B4-BE49-F238E27FC236}">
-                <a16:creationId xmlns:a16="http://schemas.microsoft.com/office/drawing/2014/main" xmlns="" id="{BDE94BCA-D034-4CB4-98E9-30D9F88E808D}"/>
+                <a16:creationId xmlns="" xmlns:a16="http://schemas.microsoft.com/office/drawing/2014/main" id="{BDE94BCA-D034-4CB4-98E9-30D9F88E808D}"/>
               </a:ext>
             </a:extLst>
           </p:cNvPr>
@@ -27009,7 +26950,7 @@
           <p:cNvPr id="6" name="内容占位符 5">
             <a:extLst>
               <a:ext uri="{FF2B5EF4-FFF2-40B4-BE49-F238E27FC236}">
-                <a16:creationId xmlns:a16="http://schemas.microsoft.com/office/drawing/2014/main" xmlns="" id="{3DFD67C7-38FD-4E2C-BFE3-CB269ADF737E}"/>
+                <a16:creationId xmlns="" xmlns:a16="http://schemas.microsoft.com/office/drawing/2014/main" id="{3DFD67C7-38FD-4E2C-BFE3-CB269ADF737E}"/>
               </a:ext>
             </a:extLst>
           </p:cNvPr>
@@ -27047,7 +26988,7 @@
           <p:cNvPr id="2" name="灯片编号占位符 1">
             <a:extLst>
               <a:ext uri="{FF2B5EF4-FFF2-40B4-BE49-F238E27FC236}">
-                <a16:creationId xmlns:a16="http://schemas.microsoft.com/office/drawing/2014/main" xmlns="" id="{3DDD1C5B-4E71-4F98-AF23-7A310BD5B952}"/>
+                <a16:creationId xmlns="" xmlns:a16="http://schemas.microsoft.com/office/drawing/2014/main" id="{3DDD1C5B-4E71-4F98-AF23-7A310BD5B952}"/>
               </a:ext>
             </a:extLst>
           </p:cNvPr>
@@ -27082,7 +27023,7 @@
           <p:cNvPr id="7" name="TextBox 3">
             <a:extLst>
               <a:ext uri="{FF2B5EF4-FFF2-40B4-BE49-F238E27FC236}">
-                <a16:creationId xmlns:a16="http://schemas.microsoft.com/office/drawing/2014/main" xmlns="" id="{163A902D-DAD5-1843-B58D-23AFA1185CE5}"/>
+                <a16:creationId xmlns="" xmlns:a16="http://schemas.microsoft.com/office/drawing/2014/main" id="{163A902D-DAD5-1843-B58D-23AFA1185CE5}"/>
               </a:ext>
             </a:extLst>
           </p:cNvPr>
@@ -27764,7 +27705,7 @@
           <p:cNvPr id="5" name="标题 4">
             <a:extLst>
               <a:ext uri="{FF2B5EF4-FFF2-40B4-BE49-F238E27FC236}">
-                <a16:creationId xmlns:a16="http://schemas.microsoft.com/office/drawing/2014/main" xmlns="" id="{BDE94BCA-D034-4CB4-98E9-30D9F88E808D}"/>
+                <a16:creationId xmlns="" xmlns:a16="http://schemas.microsoft.com/office/drawing/2014/main" id="{BDE94BCA-D034-4CB4-98E9-30D9F88E808D}"/>
               </a:ext>
             </a:extLst>
           </p:cNvPr>
@@ -27792,7 +27733,7 @@
           <p:cNvPr id="6" name="内容占位符 5">
             <a:extLst>
               <a:ext uri="{FF2B5EF4-FFF2-40B4-BE49-F238E27FC236}">
-                <a16:creationId xmlns:a16="http://schemas.microsoft.com/office/drawing/2014/main" xmlns="" id="{3DFD67C7-38FD-4E2C-BFE3-CB269ADF737E}"/>
+                <a16:creationId xmlns="" xmlns:a16="http://schemas.microsoft.com/office/drawing/2014/main" id="{3DFD67C7-38FD-4E2C-BFE3-CB269ADF737E}"/>
               </a:ext>
             </a:extLst>
           </p:cNvPr>
@@ -27851,7 +27792,7 @@
           <p:cNvPr id="2" name="灯片编号占位符 1">
             <a:extLst>
               <a:ext uri="{FF2B5EF4-FFF2-40B4-BE49-F238E27FC236}">
-                <a16:creationId xmlns:a16="http://schemas.microsoft.com/office/drawing/2014/main" xmlns="" id="{3DDD1C5B-4E71-4F98-AF23-7A310BD5B952}"/>
+                <a16:creationId xmlns="" xmlns:a16="http://schemas.microsoft.com/office/drawing/2014/main" id="{3DDD1C5B-4E71-4F98-AF23-7A310BD5B952}"/>
               </a:ext>
             </a:extLst>
           </p:cNvPr>
@@ -27886,7 +27827,7 @@
           <p:cNvPr id="7" name="TextBox 3">
             <a:extLst>
               <a:ext uri="{FF2B5EF4-FFF2-40B4-BE49-F238E27FC236}">
-                <a16:creationId xmlns:a16="http://schemas.microsoft.com/office/drawing/2014/main" xmlns="" id="{BD3A14A9-7AD2-8D43-AFE1-6956F82C49C8}"/>
+                <a16:creationId xmlns="" xmlns:a16="http://schemas.microsoft.com/office/drawing/2014/main" id="{BD3A14A9-7AD2-8D43-AFE1-6956F82C49C8}"/>
               </a:ext>
             </a:extLst>
           </p:cNvPr>
@@ -28475,7 +28416,7 @@
           <p:cNvPr id="5" name="标题 4">
             <a:extLst>
               <a:ext uri="{FF2B5EF4-FFF2-40B4-BE49-F238E27FC236}">
-                <a16:creationId xmlns:a16="http://schemas.microsoft.com/office/drawing/2014/main" xmlns="" id="{BDE94BCA-D034-4CB4-98E9-30D9F88E808D}"/>
+                <a16:creationId xmlns="" xmlns:a16="http://schemas.microsoft.com/office/drawing/2014/main" id="{BDE94BCA-D034-4CB4-98E9-30D9F88E808D}"/>
               </a:ext>
             </a:extLst>
           </p:cNvPr>
@@ -28503,7 +28444,7 @@
           <p:cNvPr id="6" name="内容占位符 5">
             <a:extLst>
               <a:ext uri="{FF2B5EF4-FFF2-40B4-BE49-F238E27FC236}">
-                <a16:creationId xmlns:a16="http://schemas.microsoft.com/office/drawing/2014/main" xmlns="" id="{3DFD67C7-38FD-4E2C-BFE3-CB269ADF737E}"/>
+                <a16:creationId xmlns="" xmlns:a16="http://schemas.microsoft.com/office/drawing/2014/main" id="{3DFD67C7-38FD-4E2C-BFE3-CB269ADF737E}"/>
               </a:ext>
             </a:extLst>
           </p:cNvPr>
@@ -28547,7 +28488,7 @@
           <p:cNvPr id="2" name="灯片编号占位符 1">
             <a:extLst>
               <a:ext uri="{FF2B5EF4-FFF2-40B4-BE49-F238E27FC236}">
-                <a16:creationId xmlns:a16="http://schemas.microsoft.com/office/drawing/2014/main" xmlns="" id="{3DDD1C5B-4E71-4F98-AF23-7A310BD5B952}"/>
+                <a16:creationId xmlns="" xmlns:a16="http://schemas.microsoft.com/office/drawing/2014/main" id="{3DDD1C5B-4E71-4F98-AF23-7A310BD5B952}"/>
               </a:ext>
             </a:extLst>
           </p:cNvPr>
@@ -28582,7 +28523,7 @@
           <p:cNvPr id="7" name="TextBox 3">
             <a:extLst>
               <a:ext uri="{FF2B5EF4-FFF2-40B4-BE49-F238E27FC236}">
-                <a16:creationId xmlns:a16="http://schemas.microsoft.com/office/drawing/2014/main" xmlns="" id="{BD3A14A9-7AD2-8D43-AFE1-6956F82C49C8}"/>
+                <a16:creationId xmlns="" xmlns:a16="http://schemas.microsoft.com/office/drawing/2014/main" id="{BD3A14A9-7AD2-8D43-AFE1-6956F82C49C8}"/>
               </a:ext>
             </a:extLst>
           </p:cNvPr>
@@ -28994,7 +28935,7 @@
           <p:cNvPr id="5" name="标题 4">
             <a:extLst>
               <a:ext uri="{FF2B5EF4-FFF2-40B4-BE49-F238E27FC236}">
-                <a16:creationId xmlns:a16="http://schemas.microsoft.com/office/drawing/2014/main" xmlns="" id="{BDE94BCA-D034-4CB4-98E9-30D9F88E808D}"/>
+                <a16:creationId xmlns="" xmlns:a16="http://schemas.microsoft.com/office/drawing/2014/main" id="{BDE94BCA-D034-4CB4-98E9-30D9F88E808D}"/>
               </a:ext>
             </a:extLst>
           </p:cNvPr>
@@ -29022,7 +28963,7 @@
           <p:cNvPr id="6" name="内容占位符 5">
             <a:extLst>
               <a:ext uri="{FF2B5EF4-FFF2-40B4-BE49-F238E27FC236}">
-                <a16:creationId xmlns:a16="http://schemas.microsoft.com/office/drawing/2014/main" xmlns="" id="{3DFD67C7-38FD-4E2C-BFE3-CB269ADF737E}"/>
+                <a16:creationId xmlns="" xmlns:a16="http://schemas.microsoft.com/office/drawing/2014/main" id="{3DFD67C7-38FD-4E2C-BFE3-CB269ADF737E}"/>
               </a:ext>
             </a:extLst>
           </p:cNvPr>
@@ -29245,7 +29186,7 @@
           <p:cNvPr id="2" name="灯片编号占位符 1">
             <a:extLst>
               <a:ext uri="{FF2B5EF4-FFF2-40B4-BE49-F238E27FC236}">
-                <a16:creationId xmlns:a16="http://schemas.microsoft.com/office/drawing/2014/main" xmlns="" id="{3DDD1C5B-4E71-4F98-AF23-7A310BD5B952}"/>
+                <a16:creationId xmlns="" xmlns:a16="http://schemas.microsoft.com/office/drawing/2014/main" id="{3DDD1C5B-4E71-4F98-AF23-7A310BD5B952}"/>
               </a:ext>
             </a:extLst>
           </p:cNvPr>
@@ -29310,7 +29251,7 @@
           <p:cNvPr id="5" name="标题 4">
             <a:extLst>
               <a:ext uri="{FF2B5EF4-FFF2-40B4-BE49-F238E27FC236}">
-                <a16:creationId xmlns:a16="http://schemas.microsoft.com/office/drawing/2014/main" xmlns="" id="{BDE94BCA-D034-4CB4-98E9-30D9F88E808D}"/>
+                <a16:creationId xmlns="" xmlns:a16="http://schemas.microsoft.com/office/drawing/2014/main" id="{BDE94BCA-D034-4CB4-98E9-30D9F88E808D}"/>
               </a:ext>
             </a:extLst>
           </p:cNvPr>
@@ -29338,7 +29279,7 @@
           <p:cNvPr id="6" name="内容占位符 5">
             <a:extLst>
               <a:ext uri="{FF2B5EF4-FFF2-40B4-BE49-F238E27FC236}">
-                <a16:creationId xmlns:a16="http://schemas.microsoft.com/office/drawing/2014/main" xmlns="" id="{3DFD67C7-38FD-4E2C-BFE3-CB269ADF737E}"/>
+                <a16:creationId xmlns="" xmlns:a16="http://schemas.microsoft.com/office/drawing/2014/main" id="{3DFD67C7-38FD-4E2C-BFE3-CB269ADF737E}"/>
               </a:ext>
             </a:extLst>
           </p:cNvPr>
@@ -29376,7 +29317,7 @@
           <p:cNvPr id="2" name="灯片编号占位符 1">
             <a:extLst>
               <a:ext uri="{FF2B5EF4-FFF2-40B4-BE49-F238E27FC236}">
-                <a16:creationId xmlns:a16="http://schemas.microsoft.com/office/drawing/2014/main" xmlns="" id="{3DDD1C5B-4E71-4F98-AF23-7A310BD5B952}"/>
+                <a16:creationId xmlns="" xmlns:a16="http://schemas.microsoft.com/office/drawing/2014/main" id="{3DDD1C5B-4E71-4F98-AF23-7A310BD5B952}"/>
               </a:ext>
             </a:extLst>
           </p:cNvPr>
@@ -29411,7 +29352,7 @@
           <p:cNvPr id="7" name="TextBox 3">
             <a:extLst>
               <a:ext uri="{FF2B5EF4-FFF2-40B4-BE49-F238E27FC236}">
-                <a16:creationId xmlns:a16="http://schemas.microsoft.com/office/drawing/2014/main" xmlns="" id="{163A902D-DAD5-1843-B58D-23AFA1185CE5}"/>
+                <a16:creationId xmlns="" xmlns:a16="http://schemas.microsoft.com/office/drawing/2014/main" id="{163A902D-DAD5-1843-B58D-23AFA1185CE5}"/>
               </a:ext>
             </a:extLst>
           </p:cNvPr>
@@ -30242,7 +30183,7 @@
           <p:cNvPr id="5" name="标题 4">
             <a:extLst>
               <a:ext uri="{FF2B5EF4-FFF2-40B4-BE49-F238E27FC236}">
-                <a16:creationId xmlns:a16="http://schemas.microsoft.com/office/drawing/2014/main" xmlns="" id="{BDE94BCA-D034-4CB4-98E9-30D9F88E808D}"/>
+                <a16:creationId xmlns="" xmlns:a16="http://schemas.microsoft.com/office/drawing/2014/main" id="{BDE94BCA-D034-4CB4-98E9-30D9F88E808D}"/>
               </a:ext>
             </a:extLst>
           </p:cNvPr>
@@ -30270,7 +30211,7 @@
           <p:cNvPr id="6" name="内容占位符 5">
             <a:extLst>
               <a:ext uri="{FF2B5EF4-FFF2-40B4-BE49-F238E27FC236}">
-                <a16:creationId xmlns:a16="http://schemas.microsoft.com/office/drawing/2014/main" xmlns="" id="{3DFD67C7-38FD-4E2C-BFE3-CB269ADF737E}"/>
+                <a16:creationId xmlns="" xmlns:a16="http://schemas.microsoft.com/office/drawing/2014/main" id="{3DFD67C7-38FD-4E2C-BFE3-CB269ADF737E}"/>
               </a:ext>
             </a:extLst>
           </p:cNvPr>
@@ -30329,7 +30270,7 @@
           <p:cNvPr id="2" name="灯片编号占位符 1">
             <a:extLst>
               <a:ext uri="{FF2B5EF4-FFF2-40B4-BE49-F238E27FC236}">
-                <a16:creationId xmlns:a16="http://schemas.microsoft.com/office/drawing/2014/main" xmlns="" id="{3DDD1C5B-4E71-4F98-AF23-7A310BD5B952}"/>
+                <a16:creationId xmlns="" xmlns:a16="http://schemas.microsoft.com/office/drawing/2014/main" id="{3DDD1C5B-4E71-4F98-AF23-7A310BD5B952}"/>
               </a:ext>
             </a:extLst>
           </p:cNvPr>
@@ -30364,7 +30305,7 @@
           <p:cNvPr id="7" name="TextBox 3">
             <a:extLst>
               <a:ext uri="{FF2B5EF4-FFF2-40B4-BE49-F238E27FC236}">
-                <a16:creationId xmlns:a16="http://schemas.microsoft.com/office/drawing/2014/main" xmlns="" id="{BD3A14A9-7AD2-8D43-AFE1-6956F82C49C8}"/>
+                <a16:creationId xmlns="" xmlns:a16="http://schemas.microsoft.com/office/drawing/2014/main" id="{BD3A14A9-7AD2-8D43-AFE1-6956F82C49C8}"/>
               </a:ext>
             </a:extLst>
           </p:cNvPr>
@@ -31077,7 +31018,7 @@
           <p:cNvPr id="5" name="标题 4">
             <a:extLst>
               <a:ext uri="{FF2B5EF4-FFF2-40B4-BE49-F238E27FC236}">
-                <a16:creationId xmlns:a16="http://schemas.microsoft.com/office/drawing/2014/main" xmlns="" id="{BDE94BCA-D034-4CB4-98E9-30D9F88E808D}"/>
+                <a16:creationId xmlns="" xmlns:a16="http://schemas.microsoft.com/office/drawing/2014/main" id="{BDE94BCA-D034-4CB4-98E9-30D9F88E808D}"/>
               </a:ext>
             </a:extLst>
           </p:cNvPr>
@@ -31105,7 +31046,7 @@
           <p:cNvPr id="6" name="内容占位符 5">
             <a:extLst>
               <a:ext uri="{FF2B5EF4-FFF2-40B4-BE49-F238E27FC236}">
-                <a16:creationId xmlns:a16="http://schemas.microsoft.com/office/drawing/2014/main" xmlns="" id="{3DFD67C7-38FD-4E2C-BFE3-CB269ADF737E}"/>
+                <a16:creationId xmlns="" xmlns:a16="http://schemas.microsoft.com/office/drawing/2014/main" id="{3DFD67C7-38FD-4E2C-BFE3-CB269ADF737E}"/>
               </a:ext>
             </a:extLst>
           </p:cNvPr>
@@ -31220,7 +31161,7 @@
           <p:cNvPr id="2" name="灯片编号占位符 1">
             <a:extLst>
               <a:ext uri="{FF2B5EF4-FFF2-40B4-BE49-F238E27FC236}">
-                <a16:creationId xmlns:a16="http://schemas.microsoft.com/office/drawing/2014/main" xmlns="" id="{3DDD1C5B-4E71-4F98-AF23-7A310BD5B952}"/>
+                <a16:creationId xmlns="" xmlns:a16="http://schemas.microsoft.com/office/drawing/2014/main" id="{3DDD1C5B-4E71-4F98-AF23-7A310BD5B952}"/>
               </a:ext>
             </a:extLst>
           </p:cNvPr>
@@ -31255,7 +31196,7 @@
           <p:cNvPr id="7" name="TextBox 3">
             <a:extLst>
               <a:ext uri="{FF2B5EF4-FFF2-40B4-BE49-F238E27FC236}">
-                <a16:creationId xmlns:a16="http://schemas.microsoft.com/office/drawing/2014/main" xmlns="" id="{4BE63E95-ED52-A749-A6F5-6E60798B609C}"/>
+                <a16:creationId xmlns="" xmlns:a16="http://schemas.microsoft.com/office/drawing/2014/main" id="{4BE63E95-ED52-A749-A6F5-6E60798B609C}"/>
               </a:ext>
             </a:extLst>
           </p:cNvPr>
@@ -31536,7 +31477,7 @@
           <p:cNvPr id="5" name="标题 4">
             <a:extLst>
               <a:ext uri="{FF2B5EF4-FFF2-40B4-BE49-F238E27FC236}">
-                <a16:creationId xmlns:a16="http://schemas.microsoft.com/office/drawing/2014/main" xmlns="" id="{BDE94BCA-D034-4CB4-98E9-30D9F88E808D}"/>
+                <a16:creationId xmlns="" xmlns:a16="http://schemas.microsoft.com/office/drawing/2014/main" id="{BDE94BCA-D034-4CB4-98E9-30D9F88E808D}"/>
               </a:ext>
             </a:extLst>
           </p:cNvPr>
@@ -31573,7 +31514,7 @@
           <p:cNvPr id="2" name="灯片编号占位符 1">
             <a:extLst>
               <a:ext uri="{FF2B5EF4-FFF2-40B4-BE49-F238E27FC236}">
-                <a16:creationId xmlns:a16="http://schemas.microsoft.com/office/drawing/2014/main" xmlns="" id="{3DDD1C5B-4E71-4F98-AF23-7A310BD5B952}"/>
+                <a16:creationId xmlns="" xmlns:a16="http://schemas.microsoft.com/office/drawing/2014/main" id="{3DDD1C5B-4E71-4F98-AF23-7A310BD5B952}"/>
               </a:ext>
             </a:extLst>
           </p:cNvPr>
@@ -35522,7 +35463,7 @@
           <p:cNvPr id="5" name="标题 4">
             <a:extLst>
               <a:ext uri="{FF2B5EF4-FFF2-40B4-BE49-F238E27FC236}">
-                <a16:creationId xmlns:a16="http://schemas.microsoft.com/office/drawing/2014/main" xmlns="" id="{BDE94BCA-D034-4CB4-98E9-30D9F88E808D}"/>
+                <a16:creationId xmlns="" xmlns:a16="http://schemas.microsoft.com/office/drawing/2014/main" id="{BDE94BCA-D034-4CB4-98E9-30D9F88E808D}"/>
               </a:ext>
             </a:extLst>
           </p:cNvPr>
@@ -35554,7 +35495,7 @@
           <p:cNvPr id="6" name="内容占位符 5">
             <a:extLst>
               <a:ext uri="{FF2B5EF4-FFF2-40B4-BE49-F238E27FC236}">
-                <a16:creationId xmlns:a16="http://schemas.microsoft.com/office/drawing/2014/main" xmlns="" id="{3DFD67C7-38FD-4E2C-BFE3-CB269ADF737E}"/>
+                <a16:creationId xmlns="" xmlns:a16="http://schemas.microsoft.com/office/drawing/2014/main" id="{3DFD67C7-38FD-4E2C-BFE3-CB269ADF737E}"/>
               </a:ext>
             </a:extLst>
           </p:cNvPr>
@@ -35639,7 +35580,7 @@
           <p:cNvPr id="2" name="灯片编号占位符 1">
             <a:extLst>
               <a:ext uri="{FF2B5EF4-FFF2-40B4-BE49-F238E27FC236}">
-                <a16:creationId xmlns:a16="http://schemas.microsoft.com/office/drawing/2014/main" xmlns="" id="{3DDD1C5B-4E71-4F98-AF23-7A310BD5B952}"/>
+                <a16:creationId xmlns="" xmlns:a16="http://schemas.microsoft.com/office/drawing/2014/main" id="{3DDD1C5B-4E71-4F98-AF23-7A310BD5B952}"/>
               </a:ext>
             </a:extLst>
           </p:cNvPr>
@@ -35674,7 +35615,7 @@
           <p:cNvPr id="7" name="TextBox 3">
             <a:extLst>
               <a:ext uri="{FF2B5EF4-FFF2-40B4-BE49-F238E27FC236}">
-                <a16:creationId xmlns:a16="http://schemas.microsoft.com/office/drawing/2014/main" xmlns="" id="{1D2FB595-8D65-9E4D-A67D-4137BE0B208F}"/>
+                <a16:creationId xmlns="" xmlns:a16="http://schemas.microsoft.com/office/drawing/2014/main" id="{1D2FB595-8D65-9E4D-A67D-4137BE0B208F}"/>
               </a:ext>
             </a:extLst>
           </p:cNvPr>
@@ -37891,11 +37832,7 @@
           <a:p>
             <a:r>
               <a:rPr lang="zh-CN" altLang="en-US" dirty="0" smtClean="0"/>
-              <a:t>设计模式的</a:t>
-            </a:r>
-            <a:r>
-              <a:rPr lang="zh-CN" altLang="en-US" dirty="0" smtClean="0"/>
-              <a:t>目的：  </a:t>
+              <a:t>设计模式的目的：  </a:t>
             </a:r>
             <a:r>
               <a:rPr lang="zh-CN" altLang="en-US" dirty="0" smtClean="0">
@@ -38186,7 +38123,7 @@
           <p:cNvPr id="5" name="标题 4">
             <a:extLst>
               <a:ext uri="{FF2B5EF4-FFF2-40B4-BE49-F238E27FC236}">
-                <a16:creationId xmlns:a16="http://schemas.microsoft.com/office/drawing/2014/main" xmlns="" id="{BDE94BCA-D034-4CB4-98E9-30D9F88E808D}"/>
+                <a16:creationId xmlns="" xmlns:a16="http://schemas.microsoft.com/office/drawing/2014/main" id="{BDE94BCA-D034-4CB4-98E9-30D9F88E808D}"/>
               </a:ext>
             </a:extLst>
           </p:cNvPr>
@@ -38214,7 +38151,7 @@
           <p:cNvPr id="6" name="内容占位符 5">
             <a:extLst>
               <a:ext uri="{FF2B5EF4-FFF2-40B4-BE49-F238E27FC236}">
-                <a16:creationId xmlns:a16="http://schemas.microsoft.com/office/drawing/2014/main" xmlns="" id="{3DFD67C7-38FD-4E2C-BFE3-CB269ADF737E}"/>
+                <a16:creationId xmlns="" xmlns:a16="http://schemas.microsoft.com/office/drawing/2014/main" id="{3DFD67C7-38FD-4E2C-BFE3-CB269ADF737E}"/>
               </a:ext>
             </a:extLst>
           </p:cNvPr>
@@ -38283,7 +38220,7 @@
           <p:cNvPr id="2" name="灯片编号占位符 1">
             <a:extLst>
               <a:ext uri="{FF2B5EF4-FFF2-40B4-BE49-F238E27FC236}">
-                <a16:creationId xmlns:a16="http://schemas.microsoft.com/office/drawing/2014/main" xmlns="" id="{3DDD1C5B-4E71-4F98-AF23-7A310BD5B952}"/>
+                <a16:creationId xmlns="" xmlns:a16="http://schemas.microsoft.com/office/drawing/2014/main" id="{3DDD1C5B-4E71-4F98-AF23-7A310BD5B952}"/>
               </a:ext>
             </a:extLst>
           </p:cNvPr>
@@ -38318,7 +38255,7 @@
           <p:cNvPr id="7" name="TextBox 3">
             <a:extLst>
               <a:ext uri="{FF2B5EF4-FFF2-40B4-BE49-F238E27FC236}">
-                <a16:creationId xmlns:a16="http://schemas.microsoft.com/office/drawing/2014/main" xmlns="" id="{1D2FB595-8D65-9E4D-A67D-4137BE0B208F}"/>
+                <a16:creationId xmlns="" xmlns:a16="http://schemas.microsoft.com/office/drawing/2014/main" id="{1D2FB595-8D65-9E4D-A67D-4137BE0B208F}"/>
               </a:ext>
             </a:extLst>
           </p:cNvPr>
@@ -38729,7 +38666,7 @@
           <p:cNvPr id="6" name="内容占位符 5">
             <a:extLst>
               <a:ext uri="{FF2B5EF4-FFF2-40B4-BE49-F238E27FC236}">
-                <a16:creationId xmlns:a16="http://schemas.microsoft.com/office/drawing/2014/main" xmlns="" id="{3DFD67C7-38FD-4E2C-BFE3-CB269ADF737E}"/>
+                <a16:creationId xmlns="" xmlns:a16="http://schemas.microsoft.com/office/drawing/2014/main" id="{3DFD67C7-38FD-4E2C-BFE3-CB269ADF737E}"/>
               </a:ext>
             </a:extLst>
           </p:cNvPr>
@@ -38873,7 +38810,7 @@
           <p:cNvPr id="7" name="TextBox 3">
             <a:extLst>
               <a:ext uri="{FF2B5EF4-FFF2-40B4-BE49-F238E27FC236}">
-                <a16:creationId xmlns:a16="http://schemas.microsoft.com/office/drawing/2014/main" xmlns="" id="{053BE359-7EC3-B84F-8A50-AC58252A893E}"/>
+                <a16:creationId xmlns="" xmlns:a16="http://schemas.microsoft.com/office/drawing/2014/main" id="{053BE359-7EC3-B84F-8A50-AC58252A893E}"/>
               </a:ext>
             </a:extLst>
           </p:cNvPr>
@@ -39173,7 +39110,7 @@
           <p:cNvPr id="5" name="标题 4">
             <a:extLst>
               <a:ext uri="{FF2B5EF4-FFF2-40B4-BE49-F238E27FC236}">
-                <a16:creationId xmlns:a16="http://schemas.microsoft.com/office/drawing/2014/main" xmlns="" id="{BDE94BCA-D034-4CB4-98E9-30D9F88E808D}"/>
+                <a16:creationId xmlns="" xmlns:a16="http://schemas.microsoft.com/office/drawing/2014/main" id="{BDE94BCA-D034-4CB4-98E9-30D9F88E808D}"/>
               </a:ext>
             </a:extLst>
           </p:cNvPr>
@@ -39209,7 +39146,7 @@
           <p:cNvPr id="2" name="灯片编号占位符 1">
             <a:extLst>
               <a:ext uri="{FF2B5EF4-FFF2-40B4-BE49-F238E27FC236}">
-                <a16:creationId xmlns:a16="http://schemas.microsoft.com/office/drawing/2014/main" xmlns="" id="{3DDD1C5B-4E71-4F98-AF23-7A310BD5B952}"/>
+                <a16:creationId xmlns="" xmlns:a16="http://schemas.microsoft.com/office/drawing/2014/main" id="{3DDD1C5B-4E71-4F98-AF23-7A310BD5B952}"/>
               </a:ext>
             </a:extLst>
           </p:cNvPr>
@@ -39244,7 +39181,7 @@
           <p:cNvPr id="3" name="Rectangle 2">
             <a:extLst>
               <a:ext uri="{FF2B5EF4-FFF2-40B4-BE49-F238E27FC236}">
-                <a16:creationId xmlns:a16="http://schemas.microsoft.com/office/drawing/2014/main" xmlns="" id="{AECA9DE0-3A5B-8448-8ECD-38FE26ED8C97}"/>
+                <a16:creationId xmlns="" xmlns:a16="http://schemas.microsoft.com/office/drawing/2014/main" id="{AECA9DE0-3A5B-8448-8ECD-38FE26ED8C97}"/>
               </a:ext>
             </a:extLst>
           </p:cNvPr>
@@ -39326,7 +39263,7 @@
           <p:cNvPr id="2" name="标题 1">
             <a:extLst>
               <a:ext uri="{FF2B5EF4-FFF2-40B4-BE49-F238E27FC236}">
-                <a16:creationId xmlns:a16="http://schemas.microsoft.com/office/drawing/2014/main" xmlns="" id="{53620F38-AE9C-46D8-A726-CBEB83F9E0E2}"/>
+                <a16:creationId xmlns="" xmlns:a16="http://schemas.microsoft.com/office/drawing/2014/main" id="{53620F38-AE9C-46D8-A726-CBEB83F9E0E2}"/>
               </a:ext>
             </a:extLst>
           </p:cNvPr>
@@ -39370,7 +39307,7 @@
           <p:cNvPr id="3" name="内容占位符 2">
             <a:extLst>
               <a:ext uri="{FF2B5EF4-FFF2-40B4-BE49-F238E27FC236}">
-                <a16:creationId xmlns:a16="http://schemas.microsoft.com/office/drawing/2014/main" xmlns="" id="{107FD70E-EDCC-4FD7-A488-F66DCE4532BE}"/>
+                <a16:creationId xmlns="" xmlns:a16="http://schemas.microsoft.com/office/drawing/2014/main" id="{107FD70E-EDCC-4FD7-A488-F66DCE4532BE}"/>
               </a:ext>
             </a:extLst>
           </p:cNvPr>
@@ -39523,7 +39460,7 @@
           <p:cNvPr id="4" name="灯片编号占位符 3">
             <a:extLst>
               <a:ext uri="{FF2B5EF4-FFF2-40B4-BE49-F238E27FC236}">
-                <a16:creationId xmlns:a16="http://schemas.microsoft.com/office/drawing/2014/main" xmlns="" id="{55C4F769-17BB-4C33-9F43-A09CADA5C954}"/>
+                <a16:creationId xmlns="" xmlns:a16="http://schemas.microsoft.com/office/drawing/2014/main" id="{55C4F769-17BB-4C33-9F43-A09CADA5C954}"/>
               </a:ext>
             </a:extLst>
           </p:cNvPr>
